--- a/耶穌在我裡面.pptx
+++ b/耶穌在我裡面.pptx
@@ -10,7 +10,7 @@
     <p:sldId id="258" r:id="rId4"/>
     <p:sldId id="259" r:id="rId5"/>
   </p:sldIdLst>
-  <p:sldSz cx="9144000" cy="6858000" type="screen4x3"/>
+  <p:sldSz cx="9144000" cy="5143500" type="screen16x9"/>
   <p:notesSz cx="6858000" cy="9144000"/>
   <p:defaultTextStyle>
     <a:defPPr>
@@ -139,8 +139,8 @@
         </p:nvSpPr>
         <p:spPr>
           <a:xfrm>
-            <a:off x="685800" y="2130425"/>
-            <a:ext cx="7772400" cy="1470025"/>
+            <a:off x="685800" y="1597819"/>
+            <a:ext cx="7772400" cy="1102519"/>
           </a:xfrm>
         </p:spPr>
         <p:txBody>
@@ -167,8 +167,8 @@
         </p:nvSpPr>
         <p:spPr>
           <a:xfrm>
-            <a:off x="1371600" y="3886200"/>
-            <a:ext cx="6400800" cy="1752600"/>
+            <a:off x="1371600" y="2914650"/>
+            <a:ext cx="6400800" cy="1314450"/>
           </a:xfrm>
         </p:spPr>
         <p:txBody>
@@ -291,7 +291,7 @@
           <a:p>
             <a:fld id="{DBB631E9-9F00-4D46-8FD6-D0B94D862A5F}" type="datetimeFigureOut">
               <a:rPr lang="zh-TW" altLang="en-US" smtClean="0"/>
-              <a:t>2019/3/16</a:t>
+              <a:t>2019/7/20</a:t>
             </a:fld>
             <a:endParaRPr lang="zh-TW" altLang="en-US"/>
           </a:p>
@@ -456,7 +456,7 @@
           <a:p>
             <a:fld id="{DBB631E9-9F00-4D46-8FD6-D0B94D862A5F}" type="datetimeFigureOut">
               <a:rPr lang="zh-TW" altLang="en-US" smtClean="0"/>
-              <a:t>2019/3/16</a:t>
+              <a:t>2019/7/20</a:t>
             </a:fld>
             <a:endParaRPr lang="zh-TW" altLang="en-US"/>
           </a:p>
@@ -541,8 +541,8 @@
         </p:nvSpPr>
         <p:spPr>
           <a:xfrm>
-            <a:off x="6629400" y="274638"/>
-            <a:ext cx="2057400" cy="5851525"/>
+            <a:off x="6629400" y="205979"/>
+            <a:ext cx="2057400" cy="4388644"/>
           </a:xfrm>
         </p:spPr>
         <p:txBody>
@@ -569,8 +569,8 @@
         </p:nvSpPr>
         <p:spPr>
           <a:xfrm>
-            <a:off x="457200" y="274638"/>
-            <a:ext cx="6019800" cy="5851525"/>
+            <a:off x="457200" y="205979"/>
+            <a:ext cx="6019800" cy="4388644"/>
           </a:xfrm>
         </p:spPr>
         <p:txBody>
@@ -631,7 +631,7 @@
           <a:p>
             <a:fld id="{DBB631E9-9F00-4D46-8FD6-D0B94D862A5F}" type="datetimeFigureOut">
               <a:rPr lang="zh-TW" altLang="en-US" smtClean="0"/>
-              <a:t>2019/3/16</a:t>
+              <a:t>2019/7/20</a:t>
             </a:fld>
             <a:endParaRPr lang="zh-TW" altLang="en-US"/>
           </a:p>
@@ -796,7 +796,7 @@
           <a:p>
             <a:fld id="{DBB631E9-9F00-4D46-8FD6-D0B94D862A5F}" type="datetimeFigureOut">
               <a:rPr lang="zh-TW" altLang="en-US" smtClean="0"/>
-              <a:t>2019/3/16</a:t>
+              <a:t>2019/7/20</a:t>
             </a:fld>
             <a:endParaRPr lang="zh-TW" altLang="en-US"/>
           </a:p>
@@ -881,8 +881,8 @@
         </p:nvSpPr>
         <p:spPr>
           <a:xfrm>
-            <a:off x="722313" y="4406900"/>
-            <a:ext cx="7772400" cy="1362075"/>
+            <a:off x="722313" y="3305176"/>
+            <a:ext cx="7772400" cy="1021556"/>
           </a:xfrm>
         </p:spPr>
         <p:txBody>
@@ -913,8 +913,8 @@
         </p:nvSpPr>
         <p:spPr>
           <a:xfrm>
-            <a:off x="722313" y="2906713"/>
-            <a:ext cx="7772400" cy="1500187"/>
+            <a:off x="722313" y="2180035"/>
+            <a:ext cx="7772400" cy="1125140"/>
           </a:xfrm>
         </p:spPr>
         <p:txBody>
@@ -1037,7 +1037,7 @@
           <a:p>
             <a:fld id="{DBB631E9-9F00-4D46-8FD6-D0B94D862A5F}" type="datetimeFigureOut">
               <a:rPr lang="zh-TW" altLang="en-US" smtClean="0"/>
-              <a:t>2019/3/16</a:t>
+              <a:t>2019/7/20</a:t>
             </a:fld>
             <a:endParaRPr lang="zh-TW" altLang="en-US"/>
           </a:p>
@@ -1145,8 +1145,8 @@
         </p:nvSpPr>
         <p:spPr>
           <a:xfrm>
-            <a:off x="457200" y="1600200"/>
-            <a:ext cx="4038600" cy="4525963"/>
+            <a:off x="457200" y="1200151"/>
+            <a:ext cx="4038600" cy="3394472"/>
           </a:xfrm>
         </p:spPr>
         <p:txBody>
@@ -1230,8 +1230,8 @@
         </p:nvSpPr>
         <p:spPr>
           <a:xfrm>
-            <a:off x="4648200" y="1600200"/>
-            <a:ext cx="4038600" cy="4525963"/>
+            <a:off x="4648200" y="1200151"/>
+            <a:ext cx="4038600" cy="3394472"/>
           </a:xfrm>
         </p:spPr>
         <p:txBody>
@@ -1320,7 +1320,7 @@
           <a:p>
             <a:fld id="{DBB631E9-9F00-4D46-8FD6-D0B94D862A5F}" type="datetimeFigureOut">
               <a:rPr lang="zh-TW" altLang="en-US" smtClean="0"/>
-              <a:t>2019/3/16</a:t>
+              <a:t>2019/7/20</a:t>
             </a:fld>
             <a:endParaRPr lang="zh-TW" altLang="en-US"/>
           </a:p>
@@ -1432,8 +1432,8 @@
         </p:nvSpPr>
         <p:spPr>
           <a:xfrm>
-            <a:off x="457200" y="1535113"/>
-            <a:ext cx="4040188" cy="639762"/>
+            <a:off x="457200" y="1151335"/>
+            <a:ext cx="4040188" cy="479822"/>
           </a:xfrm>
         </p:spPr>
         <p:txBody>
@@ -1497,8 +1497,8 @@
         </p:nvSpPr>
         <p:spPr>
           <a:xfrm>
-            <a:off x="457200" y="2174875"/>
-            <a:ext cx="4040188" cy="3951288"/>
+            <a:off x="457200" y="1631156"/>
+            <a:ext cx="4040188" cy="2963466"/>
           </a:xfrm>
         </p:spPr>
         <p:txBody>
@@ -1582,8 +1582,8 @@
         </p:nvSpPr>
         <p:spPr>
           <a:xfrm>
-            <a:off x="4645025" y="1535113"/>
-            <a:ext cx="4041775" cy="639762"/>
+            <a:off x="4645026" y="1151335"/>
+            <a:ext cx="4041775" cy="479822"/>
           </a:xfrm>
         </p:spPr>
         <p:txBody>
@@ -1647,8 +1647,8 @@
         </p:nvSpPr>
         <p:spPr>
           <a:xfrm>
-            <a:off x="4645025" y="2174875"/>
-            <a:ext cx="4041775" cy="3951288"/>
+            <a:off x="4645026" y="1631156"/>
+            <a:ext cx="4041775" cy="2963466"/>
           </a:xfrm>
         </p:spPr>
         <p:txBody>
@@ -1737,7 +1737,7 @@
           <a:p>
             <a:fld id="{DBB631E9-9F00-4D46-8FD6-D0B94D862A5F}" type="datetimeFigureOut">
               <a:rPr lang="zh-TW" altLang="en-US" smtClean="0"/>
-              <a:t>2019/3/16</a:t>
+              <a:t>2019/7/20</a:t>
             </a:fld>
             <a:endParaRPr lang="zh-TW" altLang="en-US"/>
           </a:p>
@@ -1850,7 +1850,7 @@
           <a:p>
             <a:fld id="{DBB631E9-9F00-4D46-8FD6-D0B94D862A5F}" type="datetimeFigureOut">
               <a:rPr lang="zh-TW" altLang="en-US" smtClean="0"/>
-              <a:t>2019/3/16</a:t>
+              <a:t>2019/7/20</a:t>
             </a:fld>
             <a:endParaRPr lang="zh-TW" altLang="en-US"/>
           </a:p>
@@ -1940,7 +1940,7 @@
           <a:p>
             <a:fld id="{DBB631E9-9F00-4D46-8FD6-D0B94D862A5F}" type="datetimeFigureOut">
               <a:rPr lang="zh-TW" altLang="en-US" smtClean="0"/>
-              <a:t>2019/3/16</a:t>
+              <a:t>2019/7/20</a:t>
             </a:fld>
             <a:endParaRPr lang="zh-TW" altLang="en-US"/>
           </a:p>
@@ -2025,8 +2025,8 @@
         </p:nvSpPr>
         <p:spPr>
           <a:xfrm>
-            <a:off x="457200" y="273050"/>
-            <a:ext cx="3008313" cy="1162050"/>
+            <a:off x="457201" y="204787"/>
+            <a:ext cx="3008313" cy="871538"/>
           </a:xfrm>
         </p:spPr>
         <p:txBody>
@@ -2057,8 +2057,8 @@
         </p:nvSpPr>
         <p:spPr>
           <a:xfrm>
-            <a:off x="3575050" y="273050"/>
-            <a:ext cx="5111750" cy="5853113"/>
+            <a:off x="3575050" y="204788"/>
+            <a:ext cx="5111750" cy="4389835"/>
           </a:xfrm>
         </p:spPr>
         <p:txBody>
@@ -2142,8 +2142,8 @@
         </p:nvSpPr>
         <p:spPr>
           <a:xfrm>
-            <a:off x="457200" y="1435100"/>
-            <a:ext cx="3008313" cy="4691063"/>
+            <a:off x="457201" y="1076326"/>
+            <a:ext cx="3008313" cy="3518297"/>
           </a:xfrm>
         </p:spPr>
         <p:txBody>
@@ -2212,7 +2212,7 @@
           <a:p>
             <a:fld id="{DBB631E9-9F00-4D46-8FD6-D0B94D862A5F}" type="datetimeFigureOut">
               <a:rPr lang="zh-TW" altLang="en-US" smtClean="0"/>
-              <a:t>2019/3/16</a:t>
+              <a:t>2019/7/20</a:t>
             </a:fld>
             <a:endParaRPr lang="zh-TW" altLang="en-US"/>
           </a:p>
@@ -2297,8 +2297,8 @@
         </p:nvSpPr>
         <p:spPr>
           <a:xfrm>
-            <a:off x="1792288" y="4800600"/>
-            <a:ext cx="5486400" cy="566738"/>
+            <a:off x="1792288" y="3600450"/>
+            <a:ext cx="5486400" cy="425054"/>
           </a:xfrm>
         </p:spPr>
         <p:txBody>
@@ -2329,8 +2329,8 @@
         </p:nvSpPr>
         <p:spPr>
           <a:xfrm>
-            <a:off x="1792288" y="612775"/>
-            <a:ext cx="5486400" cy="4114800"/>
+            <a:off x="1792288" y="459581"/>
+            <a:ext cx="5486400" cy="3086100"/>
           </a:xfrm>
         </p:spPr>
         <p:txBody>
@@ -2394,8 +2394,8 @@
         </p:nvSpPr>
         <p:spPr>
           <a:xfrm>
-            <a:off x="1792288" y="5367338"/>
-            <a:ext cx="5486400" cy="804862"/>
+            <a:off x="1792288" y="4025503"/>
+            <a:ext cx="5486400" cy="603647"/>
           </a:xfrm>
         </p:spPr>
         <p:txBody>
@@ -2464,7 +2464,7 @@
           <a:p>
             <a:fld id="{DBB631E9-9F00-4D46-8FD6-D0B94D862A5F}" type="datetimeFigureOut">
               <a:rPr lang="zh-TW" altLang="en-US" smtClean="0"/>
-              <a:t>2019/3/16</a:t>
+              <a:t>2019/7/20</a:t>
             </a:fld>
             <a:endParaRPr lang="zh-TW" altLang="en-US"/>
           </a:p>
@@ -2559,8 +2559,8 @@
         </p:nvSpPr>
         <p:spPr>
           <a:xfrm>
-            <a:off x="457200" y="274638"/>
-            <a:ext cx="8229600" cy="1143000"/>
+            <a:off x="457200" y="205979"/>
+            <a:ext cx="8229600" cy="857250"/>
           </a:xfrm>
           <a:prstGeom prst="rect">
             <a:avLst/>
@@ -2592,8 +2592,8 @@
         </p:nvSpPr>
         <p:spPr>
           <a:xfrm>
-            <a:off x="457200" y="1600200"/>
-            <a:ext cx="8229600" cy="4525963"/>
+            <a:off x="457200" y="1200151"/>
+            <a:ext cx="8229600" cy="3394472"/>
           </a:xfrm>
           <a:prstGeom prst="rect">
             <a:avLst/>
@@ -2654,8 +2654,8 @@
         </p:nvSpPr>
         <p:spPr>
           <a:xfrm>
-            <a:off x="457200" y="6356350"/>
-            <a:ext cx="2133600" cy="365125"/>
+            <a:off x="457200" y="4767263"/>
+            <a:ext cx="2133600" cy="273844"/>
           </a:xfrm>
           <a:prstGeom prst="rect">
             <a:avLst/>
@@ -2677,7 +2677,7 @@
           <a:p>
             <a:fld id="{DBB631E9-9F00-4D46-8FD6-D0B94D862A5F}" type="datetimeFigureOut">
               <a:rPr lang="zh-TW" altLang="en-US" smtClean="0"/>
-              <a:t>2019/3/16</a:t>
+              <a:t>2019/7/20</a:t>
             </a:fld>
             <a:endParaRPr lang="zh-TW" altLang="en-US"/>
           </a:p>
@@ -2695,8 +2695,8 @@
         </p:nvSpPr>
         <p:spPr>
           <a:xfrm>
-            <a:off x="3124200" y="6356350"/>
-            <a:ext cx="2895600" cy="365125"/>
+            <a:off x="3124200" y="4767263"/>
+            <a:ext cx="2895600" cy="273844"/>
           </a:xfrm>
           <a:prstGeom prst="rect">
             <a:avLst/>
@@ -2732,8 +2732,8 @@
         </p:nvSpPr>
         <p:spPr>
           <a:xfrm>
-            <a:off x="6553200" y="6356350"/>
-            <a:ext cx="2133600" cy="365125"/>
+            <a:off x="6553200" y="4767263"/>
+            <a:ext cx="2133600" cy="273844"/>
           </a:xfrm>
           <a:prstGeom prst="rect">
             <a:avLst/>
@@ -3059,11 +3059,13 @@
         </p:nvSpPr>
         <p:spPr/>
         <p:txBody>
-          <a:bodyPr/>
-          <a:lstStyle/>
-          <a:p>
-            <a:r>
-              <a:rPr lang="zh-CN" altLang="en-US" b="1" dirty="0" smtClean="0">
+          <a:bodyPr>
+            <a:normAutofit/>
+          </a:bodyPr>
+          <a:lstStyle/>
+          <a:p>
+            <a:r>
+              <a:rPr lang="zh-CN" altLang="en-US" sz="4000" b="1" dirty="0" smtClean="0">
                 <a:solidFill>
                   <a:srgbClr val="000066"/>
                 </a:solidFill>
@@ -3072,7 +3074,7 @@
               </a:rPr>
               <a:t>耶穌在我裡面</a:t>
             </a:r>
-            <a:endParaRPr lang="zh-TW" altLang="en-US" b="1" dirty="0">
+            <a:endParaRPr lang="zh-TW" altLang="en-US" sz="4000" b="1" dirty="0">
               <a:solidFill>
                 <a:srgbClr val="000066"/>
               </a:solidFill>
@@ -3092,10 +3094,15 @@
             <p:ph idx="1"/>
           </p:nvPr>
         </p:nvSpPr>
-        <p:spPr/>
+        <p:spPr>
+          <a:xfrm>
+            <a:off x="0" y="1200151"/>
+            <a:ext cx="9144000" cy="3394472"/>
+          </a:xfrm>
+        </p:spPr>
         <p:txBody>
           <a:bodyPr>
-            <a:normAutofit/>
+            <a:noAutofit/>
           </a:bodyPr>
           <a:lstStyle/>
           <a:p>
@@ -3103,7 +3110,7 @@
               <a:buNone/>
             </a:pPr>
             <a:r>
-              <a:rPr lang="zh-TW" altLang="en-US" sz="5400" b="1" dirty="0">
+              <a:rPr lang="zh-TW" altLang="en-US" sz="4800" b="1" dirty="0">
                 <a:solidFill>
                   <a:srgbClr val="000066"/>
                 </a:solidFill>
@@ -3113,16 +3120,26 @@
               <a:t>嘗過主恩的</a:t>
             </a:r>
             <a:r>
-              <a:rPr lang="zh-TW" altLang="en-US" sz="5400" b="1" dirty="0" smtClean="0">
+              <a:rPr lang="zh-TW" altLang="en-US" sz="4800" b="1" dirty="0" smtClean="0">
                 <a:solidFill>
                   <a:srgbClr val="000066"/>
                 </a:solidFill>
                 <a:latin typeface="微軟正黑體" pitchFamily="34" charset="-120"/>
                 <a:ea typeface="微軟正黑體" pitchFamily="34" charset="-120"/>
               </a:rPr>
-              <a:t>滋味</a:t>
-            </a:r>
-            <a:endParaRPr lang="en-US" altLang="zh-TW" sz="5400" b="1" dirty="0" smtClean="0">
+              <a:t>滋</a:t>
+            </a:r>
+            <a:r>
+              <a:rPr lang="zh-TW" altLang="en-US" sz="4800" b="1" dirty="0" smtClean="0">
+                <a:solidFill>
+                  <a:srgbClr val="000066"/>
+                </a:solidFill>
+                <a:latin typeface="微軟正黑體" pitchFamily="34" charset="-120"/>
+                <a:ea typeface="微軟正黑體" pitchFamily="34" charset="-120"/>
+              </a:rPr>
+              <a:t>味</a:t>
+            </a:r>
+            <a:endParaRPr lang="en-US" altLang="zh-TW" sz="4800" b="1" dirty="0" smtClean="0">
               <a:solidFill>
                 <a:srgbClr val="000066"/>
               </a:solidFill>
@@ -3135,36 +3152,16 @@
               <a:buNone/>
             </a:pPr>
             <a:r>
-              <a:rPr lang="zh-TW" altLang="en-US" sz="5400" b="1" dirty="0" smtClean="0">
+              <a:rPr lang="zh-TW" altLang="en-US" sz="4800" b="1" dirty="0" smtClean="0">
                 <a:solidFill>
                   <a:srgbClr val="000066"/>
                 </a:solidFill>
                 <a:latin typeface="微軟正黑體" pitchFamily="34" charset="-120"/>
                 <a:ea typeface="微軟正黑體" pitchFamily="34" charset="-120"/>
               </a:rPr>
-              <a:t>還有</a:t>
-            </a:r>
-            <a:r>
-              <a:rPr lang="zh-TW" altLang="en-US" sz="5400" b="1" dirty="0">
-                <a:solidFill>
-                  <a:srgbClr val="000066"/>
-                </a:solidFill>
-                <a:latin typeface="微軟正黑體" pitchFamily="34" charset="-120"/>
-                <a:ea typeface="微軟正黑體" pitchFamily="34" charset="-120"/>
-              </a:rPr>
-              <a:t>什麼更</a:t>
-            </a:r>
-            <a:r>
-              <a:rPr lang="zh-TW" altLang="en-US" sz="5400" b="1" dirty="0" smtClean="0">
-                <a:solidFill>
-                  <a:srgbClr val="000066"/>
-                </a:solidFill>
-                <a:latin typeface="微軟正黑體" pitchFamily="34" charset="-120"/>
-                <a:ea typeface="微軟正黑體" pitchFamily="34" charset="-120"/>
-              </a:rPr>
-              <a:t>甘甜</a:t>
-            </a:r>
-            <a:endParaRPr lang="en-US" altLang="zh-TW" sz="5400" b="1" dirty="0" smtClean="0">
+              <a:t>還有什麼更甘甜</a:t>
+            </a:r>
+            <a:endParaRPr lang="en-US" altLang="zh-TW" sz="4800" b="1" dirty="0" smtClean="0">
               <a:solidFill>
                 <a:srgbClr val="000066"/>
               </a:solidFill>
@@ -3177,17 +3174,27 @@
               <a:buNone/>
             </a:pPr>
             <a:r>
-              <a:rPr lang="zh-TW" altLang="en-US" sz="5400" b="1" dirty="0" smtClean="0">
+              <a:rPr lang="zh-TW" altLang="en-US" sz="4800" b="1" dirty="0" smtClean="0">
                 <a:solidFill>
                   <a:srgbClr val="000066"/>
                 </a:solidFill>
                 <a:latin typeface="微軟正黑體" pitchFamily="34" charset="-120"/>
                 <a:ea typeface="微軟正黑體" pitchFamily="34" charset="-120"/>
               </a:rPr>
-              <a:t>一生</a:t>
-            </a:r>
-            <a:r>
-              <a:rPr lang="zh-TW" altLang="en-US" sz="5400" b="1" dirty="0">
+              <a:t>一</a:t>
+            </a:r>
+            <a:r>
+              <a:rPr lang="zh-TW" altLang="en-US" sz="4800" b="1" dirty="0" smtClean="0">
+                <a:solidFill>
+                  <a:srgbClr val="000066"/>
+                </a:solidFill>
+                <a:latin typeface="微軟正黑體" pitchFamily="34" charset="-120"/>
+                <a:ea typeface="微軟正黑體" pitchFamily="34" charset="-120"/>
+              </a:rPr>
+              <a:t>生</a:t>
+            </a:r>
+            <a:r>
+              <a:rPr lang="zh-TW" altLang="en-US" sz="4800" b="1" dirty="0">
                 <a:solidFill>
                   <a:srgbClr val="000066"/>
                 </a:solidFill>
@@ -3197,7 +3204,7 @@
               <a:t>最大的</a:t>
             </a:r>
             <a:r>
-              <a:rPr lang="zh-TW" altLang="en-US" sz="5400" b="1" dirty="0" smtClean="0">
+              <a:rPr lang="zh-TW" altLang="en-US" sz="4800" b="1" dirty="0" smtClean="0">
                 <a:solidFill>
                   <a:srgbClr val="000066"/>
                 </a:solidFill>
@@ -3206,7 +3213,7 @@
               </a:rPr>
               <a:t>祝福</a:t>
             </a:r>
-            <a:endParaRPr lang="en-US" altLang="zh-TW" sz="5400" b="1" dirty="0">
+            <a:endParaRPr lang="en-US" altLang="zh-TW" sz="4800" b="1" dirty="0">
               <a:solidFill>
                 <a:srgbClr val="000066"/>
               </a:solidFill>
@@ -3219,7 +3226,7 @@
               <a:buNone/>
             </a:pPr>
             <a:r>
-              <a:rPr lang="zh-TW" altLang="en-US" sz="5400" b="1" dirty="0" smtClean="0">
+              <a:rPr lang="zh-TW" altLang="en-US" sz="4800" b="1" dirty="0" smtClean="0">
                 <a:solidFill>
                   <a:srgbClr val="000066"/>
                 </a:solidFill>
@@ -3229,7 +3236,7 @@
               <a:t>就是</a:t>
             </a:r>
             <a:r>
-              <a:rPr lang="zh-TW" altLang="en-US" sz="5400" b="1" dirty="0">
+              <a:rPr lang="zh-TW" altLang="en-US" sz="4800" b="1" dirty="0">
                 <a:solidFill>
                   <a:srgbClr val="000066"/>
                 </a:solidFill>
@@ -3278,11 +3285,13 @@
         </p:nvSpPr>
         <p:spPr/>
         <p:txBody>
-          <a:bodyPr/>
-          <a:lstStyle/>
-          <a:p>
-            <a:r>
-              <a:rPr lang="zh-CN" altLang="en-US" b="1" dirty="0" smtClean="0">
+          <a:bodyPr>
+            <a:normAutofit/>
+          </a:bodyPr>
+          <a:lstStyle/>
+          <a:p>
+            <a:r>
+              <a:rPr lang="zh-CN" altLang="en-US" sz="4000" b="1" dirty="0">
                 <a:solidFill>
                   <a:srgbClr val="000066"/>
                 </a:solidFill>
@@ -3291,7 +3300,7 @@
               </a:rPr>
               <a:t>耶穌在我裡面</a:t>
             </a:r>
-            <a:endParaRPr lang="zh-TW" altLang="en-US" b="1" dirty="0">
+            <a:endParaRPr lang="zh-TW" altLang="en-US" sz="4000" b="1" dirty="0">
               <a:solidFill>
                 <a:srgbClr val="000066"/>
               </a:solidFill>
@@ -3314,7 +3323,7 @@
         <p:spPr/>
         <p:txBody>
           <a:bodyPr>
-            <a:normAutofit/>
+            <a:noAutofit/>
           </a:bodyPr>
           <a:lstStyle/>
           <a:p>
@@ -3322,7 +3331,7 @@
               <a:buNone/>
             </a:pPr>
             <a:r>
-              <a:rPr lang="zh-TW" altLang="en-US" sz="5400" b="1" dirty="0" smtClean="0">
+              <a:rPr lang="zh-TW" altLang="en-US" sz="4800" b="1" dirty="0">
                 <a:solidFill>
                   <a:srgbClr val="000066"/>
                 </a:solidFill>
@@ -3331,7 +3340,7 @@
               </a:rPr>
               <a:t>世界不再吸引我</a:t>
             </a:r>
-            <a:endParaRPr lang="en-US" altLang="zh-TW" sz="5400" b="1" dirty="0" smtClean="0">
+            <a:endParaRPr lang="en-US" altLang="zh-TW" sz="4800" b="1" dirty="0">
               <a:solidFill>
                 <a:srgbClr val="000066"/>
               </a:solidFill>
@@ -3344,7 +3353,7 @@
               <a:buNone/>
             </a:pPr>
             <a:r>
-              <a:rPr lang="zh-TW" altLang="en-US" sz="5400" b="1" dirty="0" smtClean="0">
+              <a:rPr lang="zh-TW" altLang="en-US" sz="4800" b="1" dirty="0">
                 <a:solidFill>
                   <a:srgbClr val="000066"/>
                 </a:solidFill>
@@ -3353,7 +3362,7 @@
               </a:rPr>
               <a:t>主愛勝過全所有</a:t>
             </a:r>
-            <a:endParaRPr lang="en-US" altLang="zh-TW" sz="5400" b="1" dirty="0" smtClean="0">
+            <a:endParaRPr lang="en-US" altLang="zh-TW" sz="4800" b="1" dirty="0">
               <a:solidFill>
                 <a:srgbClr val="000066"/>
               </a:solidFill>
@@ -3366,7 +3375,7 @@
               <a:buNone/>
             </a:pPr>
             <a:r>
-              <a:rPr lang="zh-TW" altLang="en-US" sz="5400" b="1" dirty="0" smtClean="0">
+              <a:rPr lang="zh-TW" altLang="en-US" sz="4800" b="1" dirty="0">
                 <a:solidFill>
                   <a:srgbClr val="000066"/>
                 </a:solidFill>
@@ -3375,7 +3384,7 @@
               </a:rPr>
               <a:t>一生最大的祝福</a:t>
             </a:r>
-            <a:endParaRPr lang="en-US" altLang="zh-TW" sz="5400" b="1" dirty="0" smtClean="0">
+            <a:endParaRPr lang="en-US" altLang="zh-TW" sz="4800" b="1" dirty="0">
               <a:solidFill>
                 <a:srgbClr val="000066"/>
               </a:solidFill>
@@ -3388,7 +3397,7 @@
               <a:buNone/>
             </a:pPr>
             <a:r>
-              <a:rPr lang="zh-TW" altLang="en-US" sz="5400" b="1" dirty="0" smtClean="0">
+              <a:rPr lang="zh-TW" altLang="en-US" sz="4800" b="1" dirty="0">
                 <a:solidFill>
                   <a:srgbClr val="000066"/>
                 </a:solidFill>
@@ -3437,11 +3446,13 @@
         </p:nvSpPr>
         <p:spPr/>
         <p:txBody>
-          <a:bodyPr/>
-          <a:lstStyle/>
-          <a:p>
-            <a:r>
-              <a:rPr lang="zh-CN" altLang="en-US" b="1" dirty="0" smtClean="0">
+          <a:bodyPr>
+            <a:normAutofit/>
+          </a:bodyPr>
+          <a:lstStyle/>
+          <a:p>
+            <a:r>
+              <a:rPr lang="zh-CN" altLang="en-US" sz="4000" b="1" dirty="0">
                 <a:solidFill>
                   <a:srgbClr val="000066"/>
                 </a:solidFill>
@@ -3450,7 +3461,7 @@
               </a:rPr>
               <a:t>耶穌在我裡面</a:t>
             </a:r>
-            <a:endParaRPr lang="zh-TW" altLang="en-US" b="1" dirty="0">
+            <a:endParaRPr lang="zh-TW" altLang="en-US" sz="4000" b="1" dirty="0">
               <a:solidFill>
                 <a:srgbClr val="000066"/>
               </a:solidFill>
@@ -3473,7 +3484,7 @@
         <p:spPr/>
         <p:txBody>
           <a:bodyPr>
-            <a:normAutofit/>
+            <a:noAutofit/>
           </a:bodyPr>
           <a:lstStyle/>
           <a:p>
@@ -3481,7 +3492,7 @@
               <a:buNone/>
             </a:pPr>
             <a:r>
-              <a:rPr lang="zh-TW" altLang="en-US" sz="5400" b="1" dirty="0" smtClean="0">
+              <a:rPr lang="zh-TW" altLang="en-US" sz="4800" b="1" dirty="0">
                 <a:solidFill>
                   <a:srgbClr val="000066"/>
                 </a:solidFill>
@@ -3490,7 +3501,7 @@
               </a:rPr>
               <a:t>因為耶穌在我裡面</a:t>
             </a:r>
-            <a:endParaRPr lang="en-US" altLang="zh-TW" sz="5400" b="1" dirty="0" smtClean="0">
+            <a:endParaRPr lang="en-US" altLang="zh-TW" sz="4800" b="1" dirty="0">
               <a:solidFill>
                 <a:srgbClr val="000066"/>
               </a:solidFill>
@@ -3503,7 +3514,7 @@
               <a:buNone/>
             </a:pPr>
             <a:r>
-              <a:rPr lang="zh-TW" altLang="en-US" sz="5400" b="1" dirty="0" smtClean="0">
+              <a:rPr lang="zh-TW" altLang="en-US" sz="4800" b="1" dirty="0">
                 <a:solidFill>
                   <a:srgbClr val="000066"/>
                 </a:solidFill>
@@ -3512,7 +3523,7 @@
               </a:rPr>
               <a:t>我的生命海闊天空</a:t>
             </a:r>
-            <a:endParaRPr lang="en-US" altLang="zh-TW" sz="5400" b="1" dirty="0" smtClean="0">
+            <a:endParaRPr lang="en-US" altLang="zh-TW" sz="4800" b="1" dirty="0">
               <a:solidFill>
                 <a:srgbClr val="000066"/>
               </a:solidFill>
@@ -3525,7 +3536,7 @@
               <a:buNone/>
             </a:pPr>
             <a:r>
-              <a:rPr lang="zh-TW" altLang="en-US" sz="5400" b="1" dirty="0" smtClean="0">
+              <a:rPr lang="zh-TW" altLang="en-US" sz="4800" b="1" dirty="0">
                 <a:solidFill>
                   <a:srgbClr val="000066"/>
                 </a:solidFill>
@@ -3534,7 +3545,7 @@
               </a:rPr>
               <a:t>不論環境順逆 我深深相信</a:t>
             </a:r>
-            <a:endParaRPr lang="en-US" altLang="zh-TW" sz="5400" b="1" dirty="0" smtClean="0">
+            <a:endParaRPr lang="en-US" altLang="zh-TW" sz="4800" b="1" dirty="0">
               <a:solidFill>
                 <a:srgbClr val="000066"/>
               </a:solidFill>
@@ -3547,7 +3558,7 @@
               <a:buNone/>
             </a:pPr>
             <a:r>
-              <a:rPr lang="zh-TW" altLang="en-US" sz="5400" b="1" dirty="0" smtClean="0">
+              <a:rPr lang="zh-TW" altLang="en-US" sz="4800" b="1" dirty="0">
                 <a:solidFill>
                   <a:srgbClr val="000066"/>
                 </a:solidFill>
@@ -3596,11 +3607,13 @@
         </p:nvSpPr>
         <p:spPr/>
         <p:txBody>
-          <a:bodyPr/>
-          <a:lstStyle/>
-          <a:p>
-            <a:r>
-              <a:rPr lang="zh-CN" altLang="en-US" b="1" dirty="0" smtClean="0">
+          <a:bodyPr>
+            <a:normAutofit/>
+          </a:bodyPr>
+          <a:lstStyle/>
+          <a:p>
+            <a:r>
+              <a:rPr lang="zh-CN" altLang="en-US" sz="4000" b="1" dirty="0">
                 <a:solidFill>
                   <a:srgbClr val="000066"/>
                 </a:solidFill>
@@ -3609,7 +3622,7 @@
               </a:rPr>
               <a:t>耶穌在我裡面</a:t>
             </a:r>
-            <a:endParaRPr lang="zh-TW" altLang="en-US" b="1" dirty="0">
+            <a:endParaRPr lang="zh-TW" altLang="en-US" sz="4000" b="1" dirty="0">
               <a:solidFill>
                 <a:srgbClr val="000066"/>
               </a:solidFill>
@@ -3632,7 +3645,7 @@
         <p:spPr/>
         <p:txBody>
           <a:bodyPr>
-            <a:normAutofit/>
+            <a:noAutofit/>
           </a:bodyPr>
           <a:lstStyle/>
           <a:p>
@@ -3640,7 +3653,7 @@
               <a:buNone/>
             </a:pPr>
             <a:r>
-              <a:rPr lang="zh-TW" altLang="en-US" sz="5400" b="1" dirty="0" smtClean="0">
+              <a:rPr lang="zh-TW" altLang="en-US" sz="4800" b="1" dirty="0">
                 <a:solidFill>
                   <a:srgbClr val="000066"/>
                 </a:solidFill>
@@ -3649,7 +3662,7 @@
               </a:rPr>
               <a:t>因為耶穌在我裡面</a:t>
             </a:r>
-            <a:endParaRPr lang="en-US" altLang="zh-TW" sz="5400" b="1" dirty="0" smtClean="0">
+            <a:endParaRPr lang="en-US" altLang="zh-TW" sz="4800" b="1" dirty="0">
               <a:solidFill>
                 <a:srgbClr val="000066"/>
               </a:solidFill>
@@ -3662,7 +3675,7 @@
               <a:buNone/>
             </a:pPr>
             <a:r>
-              <a:rPr lang="zh-TW" altLang="en-US" sz="5400" b="1" dirty="0" smtClean="0">
+              <a:rPr lang="zh-TW" altLang="en-US" sz="4800" b="1" dirty="0">
                 <a:solidFill>
                   <a:srgbClr val="000066"/>
                 </a:solidFill>
@@ -3671,7 +3684,7 @@
               </a:rPr>
               <a:t>我能勇敢面對明天</a:t>
             </a:r>
-            <a:endParaRPr lang="en-US" altLang="zh-TW" sz="5400" b="1" dirty="0" smtClean="0">
+            <a:endParaRPr lang="en-US" altLang="zh-TW" sz="4800" b="1" dirty="0">
               <a:solidFill>
                 <a:srgbClr val="000066"/>
               </a:solidFill>
@@ -3684,7 +3697,7 @@
               <a:buNone/>
             </a:pPr>
             <a:r>
-              <a:rPr lang="zh-TW" altLang="en-US" sz="5400" b="1" dirty="0" smtClean="0">
+              <a:rPr lang="zh-TW" altLang="en-US" sz="4800" b="1" dirty="0">
                 <a:solidFill>
                   <a:srgbClr val="000066"/>
                 </a:solidFill>
@@ -3693,7 +3706,7 @@
               </a:rPr>
               <a:t>困難都將過去 我靠主站立</a:t>
             </a:r>
-            <a:endParaRPr lang="en-US" altLang="zh-TW" sz="5400" b="1" dirty="0" smtClean="0">
+            <a:endParaRPr lang="en-US" altLang="zh-TW" sz="4800" b="1" dirty="0">
               <a:solidFill>
                 <a:srgbClr val="000066"/>
               </a:solidFill>
@@ -3706,7 +3719,7 @@
               <a:buNone/>
             </a:pPr>
             <a:r>
-              <a:rPr lang="zh-TW" altLang="en-US" sz="5400" b="1" dirty="0" smtClean="0">
+              <a:rPr lang="zh-TW" altLang="en-US" sz="4800" b="1" dirty="0">
                 <a:solidFill>
                   <a:srgbClr val="000066"/>
                 </a:solidFill>

--- a/耶穌在我裡面.pptx
+++ b/耶穌在我裡面.pptx
@@ -5,10 +5,15 @@
     <p:sldMasterId id="2147483660" r:id="rId1"/>
   </p:sldMasterIdLst>
   <p:sldIdLst>
-    <p:sldId id="256" r:id="rId2"/>
-    <p:sldId id="257" r:id="rId3"/>
-    <p:sldId id="258" r:id="rId4"/>
-    <p:sldId id="259" r:id="rId5"/>
+    <p:sldId id="260" r:id="rId2"/>
+    <p:sldId id="261" r:id="rId3"/>
+    <p:sldId id="262" r:id="rId4"/>
+    <p:sldId id="263" r:id="rId5"/>
+    <p:sldId id="264" r:id="rId6"/>
+    <p:sldId id="265" r:id="rId7"/>
+    <p:sldId id="266" r:id="rId8"/>
+    <p:sldId id="267" r:id="rId9"/>
+    <p:sldId id="268" r:id="rId10"/>
   </p:sldIdLst>
   <p:sldSz cx="9144000" cy="5143500" type="screen16x9"/>
   <p:notesSz cx="6858000" cy="9144000"/>
@@ -107,6 +112,22 @@
       </a:defRPr>
     </a:lvl9pPr>
   </p:defaultTextStyle>
+  <p:extLst>
+    <p:ext uri="{EFAFB233-063F-42B5-8137-9DF3F51BA10A}">
+      <p15:sldGuideLst xmlns:p15="http://schemas.microsoft.com/office/powerpoint/2012/main">
+        <p15:guide id="1" orient="horz" pos="1620">
+          <p15:clr>
+            <a:srgbClr val="A4A3A4"/>
+          </p15:clr>
+        </p15:guide>
+        <p15:guide id="2" pos="2880">
+          <p15:clr>
+            <a:srgbClr val="A4A3A4"/>
+          </p15:clr>
+        </p15:guide>
+      </p15:sldGuideLst>
+    </p:ext>
+  </p:extLst>
 </p:presentation>
 </file>
 
@@ -291,7 +312,7 @@
           <a:p>
             <a:fld id="{DBB631E9-9F00-4D46-8FD6-D0B94D862A5F}" type="datetimeFigureOut">
               <a:rPr lang="zh-TW" altLang="en-US" smtClean="0"/>
-              <a:t>2019/7/20</a:t>
+              <a:t>2022/3/29</a:t>
             </a:fld>
             <a:endParaRPr lang="zh-TW" altLang="en-US"/>
           </a:p>
@@ -456,7 +477,7 @@
           <a:p>
             <a:fld id="{DBB631E9-9F00-4D46-8FD6-D0B94D862A5F}" type="datetimeFigureOut">
               <a:rPr lang="zh-TW" altLang="en-US" smtClean="0"/>
-              <a:t>2019/7/20</a:t>
+              <a:t>2022/3/29</a:t>
             </a:fld>
             <a:endParaRPr lang="zh-TW" altLang="en-US"/>
           </a:p>
@@ -631,7 +652,7 @@
           <a:p>
             <a:fld id="{DBB631E9-9F00-4D46-8FD6-D0B94D862A5F}" type="datetimeFigureOut">
               <a:rPr lang="zh-TW" altLang="en-US" smtClean="0"/>
-              <a:t>2019/7/20</a:t>
+              <a:t>2022/3/29</a:t>
             </a:fld>
             <a:endParaRPr lang="zh-TW" altLang="en-US"/>
           </a:p>
@@ -796,7 +817,7 @@
           <a:p>
             <a:fld id="{DBB631E9-9F00-4D46-8FD6-D0B94D862A5F}" type="datetimeFigureOut">
               <a:rPr lang="zh-TW" altLang="en-US" smtClean="0"/>
-              <a:t>2019/7/20</a:t>
+              <a:t>2022/3/29</a:t>
             </a:fld>
             <a:endParaRPr lang="zh-TW" altLang="en-US"/>
           </a:p>
@@ -1037,7 +1058,7 @@
           <a:p>
             <a:fld id="{DBB631E9-9F00-4D46-8FD6-D0B94D862A5F}" type="datetimeFigureOut">
               <a:rPr lang="zh-TW" altLang="en-US" smtClean="0"/>
-              <a:t>2019/7/20</a:t>
+              <a:t>2022/3/29</a:t>
             </a:fld>
             <a:endParaRPr lang="zh-TW" altLang="en-US"/>
           </a:p>
@@ -1320,7 +1341,7 @@
           <a:p>
             <a:fld id="{DBB631E9-9F00-4D46-8FD6-D0B94D862A5F}" type="datetimeFigureOut">
               <a:rPr lang="zh-TW" altLang="en-US" smtClean="0"/>
-              <a:t>2019/7/20</a:t>
+              <a:t>2022/3/29</a:t>
             </a:fld>
             <a:endParaRPr lang="zh-TW" altLang="en-US"/>
           </a:p>
@@ -1737,7 +1758,7 @@
           <a:p>
             <a:fld id="{DBB631E9-9F00-4D46-8FD6-D0B94D862A5F}" type="datetimeFigureOut">
               <a:rPr lang="zh-TW" altLang="en-US" smtClean="0"/>
-              <a:t>2019/7/20</a:t>
+              <a:t>2022/3/29</a:t>
             </a:fld>
             <a:endParaRPr lang="zh-TW" altLang="en-US"/>
           </a:p>
@@ -1850,7 +1871,7 @@
           <a:p>
             <a:fld id="{DBB631E9-9F00-4D46-8FD6-D0B94D862A5F}" type="datetimeFigureOut">
               <a:rPr lang="zh-TW" altLang="en-US" smtClean="0"/>
-              <a:t>2019/7/20</a:t>
+              <a:t>2022/3/29</a:t>
             </a:fld>
             <a:endParaRPr lang="zh-TW" altLang="en-US"/>
           </a:p>
@@ -1940,7 +1961,7 @@
           <a:p>
             <a:fld id="{DBB631E9-9F00-4D46-8FD6-D0B94D862A5F}" type="datetimeFigureOut">
               <a:rPr lang="zh-TW" altLang="en-US" smtClean="0"/>
-              <a:t>2019/7/20</a:t>
+              <a:t>2022/3/29</a:t>
             </a:fld>
             <a:endParaRPr lang="zh-TW" altLang="en-US"/>
           </a:p>
@@ -2212,7 +2233,7 @@
           <a:p>
             <a:fld id="{DBB631E9-9F00-4D46-8FD6-D0B94D862A5F}" type="datetimeFigureOut">
               <a:rPr lang="zh-TW" altLang="en-US" smtClean="0"/>
-              <a:t>2019/7/20</a:t>
+              <a:t>2022/3/29</a:t>
             </a:fld>
             <a:endParaRPr lang="zh-TW" altLang="en-US"/>
           </a:p>
@@ -2464,7 +2485,7 @@
           <a:p>
             <a:fld id="{DBB631E9-9F00-4D46-8FD6-D0B94D862A5F}" type="datetimeFigureOut">
               <a:rPr lang="zh-TW" altLang="en-US" smtClean="0"/>
-              <a:t>2019/7/20</a:t>
+              <a:t>2022/3/29</a:t>
             </a:fld>
             <a:endParaRPr lang="zh-TW" altLang="en-US"/>
           </a:p>
@@ -2677,7 +2698,7 @@
           <a:p>
             <a:fld id="{DBB631E9-9F00-4D46-8FD6-D0B94D862A5F}" type="datetimeFigureOut">
               <a:rPr lang="zh-TW" altLang="en-US" smtClean="0"/>
-              <a:t>2019/7/20</a:t>
+              <a:t>2022/3/29</a:t>
             </a:fld>
             <a:endParaRPr lang="zh-TW" altLang="en-US"/>
           </a:p>
@@ -3057,198 +3078,75 @@
             <p:ph type="title"/>
           </p:nvPr>
         </p:nvSpPr>
-        <p:spPr/>
+        <p:spPr>
+          <a:xfrm>
+            <a:off x="0" y="1995686"/>
+            <a:ext cx="9144000" cy="857250"/>
+          </a:xfrm>
+        </p:spPr>
         <p:txBody>
           <a:bodyPr>
-            <a:normAutofit/>
+            <a:noAutofit/>
           </a:bodyPr>
           <a:lstStyle/>
           <a:p>
             <a:r>
-              <a:rPr lang="zh-CN" altLang="en-US" sz="4000" b="1" dirty="0" smtClean="0">
+              <a:rPr lang="zh-CN" altLang="en-US" sz="5400" b="1" i="1" dirty="0">
                 <a:solidFill>
                   <a:srgbClr val="000066"/>
                 </a:solidFill>
+                <a:effectLst>
+                  <a:outerShdw blurRad="38100" dist="38100" dir="2700000" algn="tl">
+                    <a:srgbClr val="000000">
+                      <a:alpha val="43137"/>
+                    </a:srgbClr>
+                  </a:outerShdw>
+                </a:effectLst>
                 <a:latin typeface="微軟正黑體" pitchFamily="34" charset="-120"/>
                 <a:ea typeface="微軟正黑體" pitchFamily="34" charset="-120"/>
               </a:rPr>
-              <a:t>耶穌在我裡面</a:t>
-            </a:r>
-            <a:endParaRPr lang="zh-TW" altLang="en-US" sz="4000" b="1" dirty="0">
+              <a:t>耶</a:t>
+            </a:r>
+            <a:r>
+              <a:rPr lang="zh-CN" altLang="en-US" sz="5400" b="1" i="1" dirty="0">
+                <a:solidFill>
+                  <a:srgbClr val="000066"/>
+                </a:solidFill>
+                <a:effectLst>
+                  <a:outerShdw blurRad="38100" dist="38100" dir="2700000" algn="tl">
+                    <a:srgbClr val="000000">
+                      <a:alpha val="43137"/>
+                    </a:srgbClr>
+                  </a:outerShdw>
+                </a:effectLst>
+                <a:latin typeface="微軟正黑體" pitchFamily="34" charset="-120"/>
+                <a:ea typeface="微軟正黑體" pitchFamily="34" charset="-120"/>
+              </a:rPr>
+              <a:t>穌在我裡面</a:t>
+            </a:r>
+            <a:endParaRPr lang="zh-TW" altLang="en-US" sz="5400" b="1" i="1" dirty="0">
               <a:solidFill>
                 <a:srgbClr val="000066"/>
               </a:solidFill>
+              <a:effectLst>
+                <a:outerShdw blurRad="38100" dist="38100" dir="2700000" algn="tl">
+                  <a:srgbClr val="000000">
+                    <a:alpha val="43137"/>
+                  </a:srgbClr>
+                </a:outerShdw>
+              </a:effectLst>
               <a:latin typeface="微軟正黑體" pitchFamily="34" charset="-120"/>
               <a:ea typeface="微軟正黑體" pitchFamily="34" charset="-120"/>
             </a:endParaRPr>
           </a:p>
         </p:txBody>
       </p:sp>
-      <p:sp>
-        <p:nvSpPr>
-          <p:cNvPr id="5" name="內容版面配置區 4"/>
-          <p:cNvSpPr>
-            <a:spLocks noGrp="1"/>
-          </p:cNvSpPr>
-          <p:nvPr>
-            <p:ph idx="1"/>
-          </p:nvPr>
-        </p:nvSpPr>
-        <p:spPr>
-          <a:xfrm>
-            <a:off x="0" y="1200151"/>
-            <a:ext cx="9144000" cy="3394472"/>
-          </a:xfrm>
-        </p:spPr>
-        <p:txBody>
-          <a:bodyPr>
-            <a:noAutofit/>
-          </a:bodyPr>
-          <a:lstStyle/>
-          <a:p>
-            <a:pPr algn="ctr">
-              <a:buNone/>
-            </a:pPr>
-            <a:r>
-              <a:rPr lang="zh-TW" altLang="en-US" sz="4800" b="1" dirty="0">
-                <a:solidFill>
-                  <a:srgbClr val="000066"/>
-                </a:solidFill>
-                <a:latin typeface="微軟正黑體" pitchFamily="34" charset="-120"/>
-                <a:ea typeface="微軟正黑體" pitchFamily="34" charset="-120"/>
-              </a:rPr>
-              <a:t>嘗過主恩的</a:t>
-            </a:r>
-            <a:r>
-              <a:rPr lang="zh-TW" altLang="en-US" sz="4800" b="1" dirty="0" smtClean="0">
-                <a:solidFill>
-                  <a:srgbClr val="000066"/>
-                </a:solidFill>
-                <a:latin typeface="微軟正黑體" pitchFamily="34" charset="-120"/>
-                <a:ea typeface="微軟正黑體" pitchFamily="34" charset="-120"/>
-              </a:rPr>
-              <a:t>滋</a:t>
-            </a:r>
-            <a:r>
-              <a:rPr lang="zh-TW" altLang="en-US" sz="4800" b="1" dirty="0" smtClean="0">
-                <a:solidFill>
-                  <a:srgbClr val="000066"/>
-                </a:solidFill>
-                <a:latin typeface="微軟正黑體" pitchFamily="34" charset="-120"/>
-                <a:ea typeface="微軟正黑體" pitchFamily="34" charset="-120"/>
-              </a:rPr>
-              <a:t>味</a:t>
-            </a:r>
-            <a:endParaRPr lang="en-US" altLang="zh-TW" sz="4800" b="1" dirty="0" smtClean="0">
-              <a:solidFill>
-                <a:srgbClr val="000066"/>
-              </a:solidFill>
-              <a:latin typeface="微軟正黑體" pitchFamily="34" charset="-120"/>
-              <a:ea typeface="微軟正黑體" pitchFamily="34" charset="-120"/>
-            </a:endParaRPr>
-          </a:p>
-          <a:p>
-            <a:pPr algn="ctr">
-              <a:buNone/>
-            </a:pPr>
-            <a:r>
-              <a:rPr lang="zh-TW" altLang="en-US" sz="4800" b="1" dirty="0" smtClean="0">
-                <a:solidFill>
-                  <a:srgbClr val="000066"/>
-                </a:solidFill>
-                <a:latin typeface="微軟正黑體" pitchFamily="34" charset="-120"/>
-                <a:ea typeface="微軟正黑體" pitchFamily="34" charset="-120"/>
-              </a:rPr>
-              <a:t>還有什麼更甘甜</a:t>
-            </a:r>
-            <a:endParaRPr lang="en-US" altLang="zh-TW" sz="4800" b="1" dirty="0" smtClean="0">
-              <a:solidFill>
-                <a:srgbClr val="000066"/>
-              </a:solidFill>
-              <a:latin typeface="微軟正黑體" pitchFamily="34" charset="-120"/>
-              <a:ea typeface="微軟正黑體" pitchFamily="34" charset="-120"/>
-            </a:endParaRPr>
-          </a:p>
-          <a:p>
-            <a:pPr algn="ctr">
-              <a:buNone/>
-            </a:pPr>
-            <a:r>
-              <a:rPr lang="zh-TW" altLang="en-US" sz="4800" b="1" dirty="0" smtClean="0">
-                <a:solidFill>
-                  <a:srgbClr val="000066"/>
-                </a:solidFill>
-                <a:latin typeface="微軟正黑體" pitchFamily="34" charset="-120"/>
-                <a:ea typeface="微軟正黑體" pitchFamily="34" charset="-120"/>
-              </a:rPr>
-              <a:t>一</a:t>
-            </a:r>
-            <a:r>
-              <a:rPr lang="zh-TW" altLang="en-US" sz="4800" b="1" dirty="0" smtClean="0">
-                <a:solidFill>
-                  <a:srgbClr val="000066"/>
-                </a:solidFill>
-                <a:latin typeface="微軟正黑體" pitchFamily="34" charset="-120"/>
-                <a:ea typeface="微軟正黑體" pitchFamily="34" charset="-120"/>
-              </a:rPr>
-              <a:t>生</a:t>
-            </a:r>
-            <a:r>
-              <a:rPr lang="zh-TW" altLang="en-US" sz="4800" b="1" dirty="0">
-                <a:solidFill>
-                  <a:srgbClr val="000066"/>
-                </a:solidFill>
-                <a:latin typeface="微軟正黑體" pitchFamily="34" charset="-120"/>
-                <a:ea typeface="微軟正黑體" pitchFamily="34" charset="-120"/>
-              </a:rPr>
-              <a:t>最大的</a:t>
-            </a:r>
-            <a:r>
-              <a:rPr lang="zh-TW" altLang="en-US" sz="4800" b="1" dirty="0" smtClean="0">
-                <a:solidFill>
-                  <a:srgbClr val="000066"/>
-                </a:solidFill>
-                <a:latin typeface="微軟正黑體" pitchFamily="34" charset="-120"/>
-                <a:ea typeface="微軟正黑體" pitchFamily="34" charset="-120"/>
-              </a:rPr>
-              <a:t>祝福</a:t>
-            </a:r>
-            <a:endParaRPr lang="en-US" altLang="zh-TW" sz="4800" b="1" dirty="0">
-              <a:solidFill>
-                <a:srgbClr val="000066"/>
-              </a:solidFill>
-              <a:latin typeface="微軟正黑體" pitchFamily="34" charset="-120"/>
-              <a:ea typeface="微軟正黑體" pitchFamily="34" charset="-120"/>
-            </a:endParaRPr>
-          </a:p>
-          <a:p>
-            <a:pPr algn="ctr">
-              <a:buNone/>
-            </a:pPr>
-            <a:r>
-              <a:rPr lang="zh-TW" altLang="en-US" sz="4800" b="1" dirty="0" smtClean="0">
-                <a:solidFill>
-                  <a:srgbClr val="000066"/>
-                </a:solidFill>
-                <a:latin typeface="微軟正黑體" pitchFamily="34" charset="-120"/>
-                <a:ea typeface="微軟正黑體" pitchFamily="34" charset="-120"/>
-              </a:rPr>
-              <a:t>就是</a:t>
-            </a:r>
-            <a:r>
-              <a:rPr lang="zh-TW" altLang="en-US" sz="4800" b="1" dirty="0">
-                <a:solidFill>
-                  <a:srgbClr val="000066"/>
-                </a:solidFill>
-                <a:latin typeface="微軟正黑體" pitchFamily="34" charset="-120"/>
-                <a:ea typeface="微軟正黑體" pitchFamily="34" charset="-120"/>
-              </a:rPr>
-              <a:t>有耶穌住在我裡面</a:t>
-            </a:r>
-          </a:p>
-        </p:txBody>
-      </p:sp>
     </p:spTree>
+    <p:extLst>
+      <p:ext uri="{BB962C8B-B14F-4D97-AF65-F5344CB8AC3E}">
+        <p14:creationId xmlns:p14="http://schemas.microsoft.com/office/powerpoint/2010/main" val="3586973911"/>
+      </p:ext>
+    </p:extLst>
   </p:cSld>
   <p:clrMapOvr>
     <a:masterClrMapping/>
@@ -3275,70 +3173,38 @@
       </p:grpSpPr>
       <p:sp>
         <p:nvSpPr>
-          <p:cNvPr id="4" name="標題 3"/>
-          <p:cNvSpPr>
-            <a:spLocks noGrp="1"/>
-          </p:cNvSpPr>
-          <p:nvPr>
-            <p:ph type="title"/>
-          </p:nvPr>
-        </p:nvSpPr>
-        <p:spPr/>
-        <p:txBody>
-          <a:bodyPr>
+          <p:cNvPr id="5" name="內容版面配置區 4"/>
+          <p:cNvSpPr>
+            <a:spLocks noGrp="1"/>
+          </p:cNvSpPr>
+          <p:nvPr>
+            <p:ph idx="1"/>
+          </p:nvPr>
+        </p:nvSpPr>
+        <p:spPr>
+          <a:xfrm>
+            <a:off x="0" y="1563639"/>
+            <a:ext cx="9144000" cy="1803647"/>
+          </a:xfrm>
+        </p:spPr>
+        <p:txBody>
+          <a:bodyPr anchor="ctr">
             <a:normAutofit/>
           </a:bodyPr>
           <a:lstStyle/>
           <a:p>
-            <a:r>
-              <a:rPr lang="zh-CN" altLang="en-US" sz="4000" b="1" dirty="0">
+            <a:pPr algn="ctr">
+              <a:buNone/>
+            </a:pPr>
+            <a:r>
+              <a:rPr lang="zh-TW" altLang="en-US" sz="4800" b="1" dirty="0">
                 <a:solidFill>
                   <a:srgbClr val="000066"/>
                 </a:solidFill>
                 <a:latin typeface="微軟正黑體" pitchFamily="34" charset="-120"/>
                 <a:ea typeface="微軟正黑體" pitchFamily="34" charset="-120"/>
               </a:rPr>
-              <a:t>耶穌在我裡面</a:t>
-            </a:r>
-            <a:endParaRPr lang="zh-TW" altLang="en-US" sz="4000" b="1" dirty="0">
-              <a:solidFill>
-                <a:srgbClr val="000066"/>
-              </a:solidFill>
-              <a:latin typeface="微軟正黑體" pitchFamily="34" charset="-120"/>
-              <a:ea typeface="微軟正黑體" pitchFamily="34" charset="-120"/>
-            </a:endParaRPr>
-          </a:p>
-        </p:txBody>
-      </p:sp>
-      <p:sp>
-        <p:nvSpPr>
-          <p:cNvPr id="5" name="內容版面配置區 4"/>
-          <p:cNvSpPr>
-            <a:spLocks noGrp="1"/>
-          </p:cNvSpPr>
-          <p:nvPr>
-            <p:ph idx="1"/>
-          </p:nvPr>
-        </p:nvSpPr>
-        <p:spPr/>
-        <p:txBody>
-          <a:bodyPr>
-            <a:noAutofit/>
-          </a:bodyPr>
-          <a:lstStyle/>
-          <a:p>
-            <a:pPr algn="ctr">
-              <a:buNone/>
-            </a:pPr>
-            <a:r>
-              <a:rPr lang="zh-TW" altLang="en-US" sz="4800" b="1" dirty="0">
-                <a:solidFill>
-                  <a:srgbClr val="000066"/>
-                </a:solidFill>
-                <a:latin typeface="微軟正黑體" pitchFamily="34" charset="-120"/>
-                <a:ea typeface="微軟正黑體" pitchFamily="34" charset="-120"/>
-              </a:rPr>
-              <a:t>世界不再吸引我</a:t>
+              <a:t>嘗過主恩的滋味</a:t>
             </a:r>
             <a:endParaRPr lang="en-US" altLang="zh-TW" sz="4800" b="1" dirty="0">
               <a:solidFill>
@@ -3360,7 +3226,7 @@
                 <a:latin typeface="微軟正黑體" pitchFamily="34" charset="-120"/>
                 <a:ea typeface="微軟正黑體" pitchFamily="34" charset="-120"/>
               </a:rPr>
-              <a:t>主愛勝過全所有</a:t>
+              <a:t>還有什麼更甘甜</a:t>
             </a:r>
             <a:endParaRPr lang="en-US" altLang="zh-TW" sz="4800" b="1" dirty="0">
               <a:solidFill>
@@ -3370,46 +3236,76 @@
               <a:ea typeface="微軟正黑體" pitchFamily="34" charset="-120"/>
             </a:endParaRPr>
           </a:p>
-          <a:p>
-            <a:pPr algn="ctr">
-              <a:buNone/>
-            </a:pPr>
-            <a:r>
-              <a:rPr lang="zh-TW" altLang="en-US" sz="4800" b="1" dirty="0">
+        </p:txBody>
+      </p:sp>
+      <p:sp>
+        <p:nvSpPr>
+          <p:cNvPr id="3" name="TextBox 2"/>
+          <p:cNvSpPr txBox="1"/>
+          <p:nvPr/>
+        </p:nvSpPr>
+        <p:spPr>
+          <a:xfrm>
+            <a:off x="0" y="3867895"/>
+            <a:ext cx="9144000" cy="584775"/>
+          </a:xfrm>
+          <a:prstGeom prst="rect">
+            <a:avLst/>
+          </a:prstGeom>
+          <a:noFill/>
+        </p:spPr>
+        <p:txBody>
+          <a:bodyPr wrap="square" rtlCol="0">
+            <a:spAutoFit/>
+          </a:bodyPr>
+          <a:lstStyle/>
+          <a:p>
+            <a:pPr algn="ctr"/>
+            <a:r>
+              <a:rPr lang="en-US" sz="3200" b="1" dirty="0">
                 <a:solidFill>
                   <a:srgbClr val="000066"/>
                 </a:solidFill>
-                <a:latin typeface="微軟正黑體" pitchFamily="34" charset="-120"/>
-                <a:ea typeface="微軟正黑體" pitchFamily="34" charset="-120"/>
+                <a:latin typeface="Microsoft JhengHei" panose="020B0604030504040204" pitchFamily="34" charset="-120"/>
+                <a:ea typeface="Microsoft JhengHei" panose="020B0604030504040204" pitchFamily="34" charset="-120"/>
               </a:rPr>
-              <a:t>一生最大的祝福</a:t>
-            </a:r>
-            <a:endParaRPr lang="en-US" altLang="zh-TW" sz="4800" b="1" dirty="0">
+              <a:t>( </a:t>
+            </a:r>
+            <a:r>
+              <a:rPr lang="zh-CN" altLang="en-US" sz="3200" b="1" dirty="0">
+                <a:solidFill>
+                  <a:srgbClr val="000066"/>
+                </a:solidFill>
+                <a:latin typeface="Microsoft JhengHei" panose="020B0604030504040204" pitchFamily="34" charset="-120"/>
+                <a:ea typeface="Microsoft JhengHei" panose="020B0604030504040204" pitchFamily="34" charset="-120"/>
+              </a:rPr>
+              <a:t>正</a:t>
+            </a:r>
+            <a:r>
+              <a:rPr lang="en-US" sz="3200" b="1" dirty="0">
+                <a:solidFill>
+                  <a:srgbClr val="000066"/>
+                </a:solidFill>
+                <a:latin typeface="Microsoft JhengHei" panose="020B0604030504040204" pitchFamily="34" charset="-120"/>
+                <a:ea typeface="Microsoft JhengHei" panose="020B0604030504040204" pitchFamily="34" charset="-120"/>
+              </a:rPr>
+              <a:t> )</a:t>
+            </a:r>
+            <a:endParaRPr lang="vi-VN" sz="3200" b="1" dirty="0">
               <a:solidFill>
                 <a:srgbClr val="000066"/>
               </a:solidFill>
-              <a:latin typeface="微軟正黑體" pitchFamily="34" charset="-120"/>
-              <a:ea typeface="微軟正黑體" pitchFamily="34" charset="-120"/>
+              <a:ea typeface="Microsoft JhengHei" panose="020B0604030504040204" pitchFamily="34" charset="-120"/>
             </a:endParaRPr>
           </a:p>
-          <a:p>
-            <a:pPr algn="ctr">
-              <a:buNone/>
-            </a:pPr>
-            <a:r>
-              <a:rPr lang="zh-TW" altLang="en-US" sz="4800" b="1" dirty="0">
-                <a:solidFill>
-                  <a:srgbClr val="000066"/>
-                </a:solidFill>
-                <a:latin typeface="微軟正黑體" pitchFamily="34" charset="-120"/>
-                <a:ea typeface="微軟正黑體" pitchFamily="34" charset="-120"/>
-              </a:rPr>
-              <a:t>就是有耶穌住在我裡面</a:t>
-            </a:r>
-          </a:p>
         </p:txBody>
       </p:sp>
     </p:spTree>
+    <p:extLst>
+      <p:ext uri="{BB962C8B-B14F-4D97-AF65-F5344CB8AC3E}">
+        <p14:creationId xmlns:p14="http://schemas.microsoft.com/office/powerpoint/2010/main" val="3199032736"/>
+      </p:ext>
+    </p:extLst>
   </p:cSld>
   <p:clrMapOvr>
     <a:masterClrMapping/>
@@ -3436,70 +3332,38 @@
       </p:grpSpPr>
       <p:sp>
         <p:nvSpPr>
-          <p:cNvPr id="4" name="標題 3"/>
-          <p:cNvSpPr>
-            <a:spLocks noGrp="1"/>
-          </p:cNvSpPr>
-          <p:nvPr>
-            <p:ph type="title"/>
-          </p:nvPr>
-        </p:nvSpPr>
-        <p:spPr/>
-        <p:txBody>
-          <a:bodyPr>
+          <p:cNvPr id="5" name="內容版面配置區 4"/>
+          <p:cNvSpPr>
+            <a:spLocks noGrp="1"/>
+          </p:cNvSpPr>
+          <p:nvPr>
+            <p:ph idx="1"/>
+          </p:nvPr>
+        </p:nvSpPr>
+        <p:spPr>
+          <a:xfrm>
+            <a:off x="0" y="1563639"/>
+            <a:ext cx="9144000" cy="1803647"/>
+          </a:xfrm>
+        </p:spPr>
+        <p:txBody>
+          <a:bodyPr anchor="ctr">
             <a:normAutofit/>
           </a:bodyPr>
           <a:lstStyle/>
           <a:p>
-            <a:r>
-              <a:rPr lang="zh-CN" altLang="en-US" sz="4000" b="1" dirty="0">
+            <a:pPr algn="ctr">
+              <a:buNone/>
+            </a:pPr>
+            <a:r>
+              <a:rPr lang="zh-TW" altLang="en-US" sz="4800" b="1" dirty="0">
                 <a:solidFill>
                   <a:srgbClr val="000066"/>
                 </a:solidFill>
                 <a:latin typeface="微軟正黑體" pitchFamily="34" charset="-120"/>
                 <a:ea typeface="微軟正黑體" pitchFamily="34" charset="-120"/>
               </a:rPr>
-              <a:t>耶穌在我裡面</a:t>
-            </a:r>
-            <a:endParaRPr lang="zh-TW" altLang="en-US" sz="4000" b="1" dirty="0">
-              <a:solidFill>
-                <a:srgbClr val="000066"/>
-              </a:solidFill>
-              <a:latin typeface="微軟正黑體" pitchFamily="34" charset="-120"/>
-              <a:ea typeface="微軟正黑體" pitchFamily="34" charset="-120"/>
-            </a:endParaRPr>
-          </a:p>
-        </p:txBody>
-      </p:sp>
-      <p:sp>
-        <p:nvSpPr>
-          <p:cNvPr id="5" name="內容版面配置區 4"/>
-          <p:cNvSpPr>
-            <a:spLocks noGrp="1"/>
-          </p:cNvSpPr>
-          <p:nvPr>
-            <p:ph idx="1"/>
-          </p:nvPr>
-        </p:nvSpPr>
-        <p:spPr/>
-        <p:txBody>
-          <a:bodyPr>
-            <a:noAutofit/>
-          </a:bodyPr>
-          <a:lstStyle/>
-          <a:p>
-            <a:pPr algn="ctr">
-              <a:buNone/>
-            </a:pPr>
-            <a:r>
-              <a:rPr lang="zh-TW" altLang="en-US" sz="4800" b="1" dirty="0">
-                <a:solidFill>
-                  <a:srgbClr val="000066"/>
-                </a:solidFill>
-                <a:latin typeface="微軟正黑體" pitchFamily="34" charset="-120"/>
-                <a:ea typeface="微軟正黑體" pitchFamily="34" charset="-120"/>
-              </a:rPr>
-              <a:t>因為耶穌在我裡面</a:t>
+              <a:t>一生最大的祝福</a:t>
             </a:r>
             <a:endParaRPr lang="en-US" altLang="zh-TW" sz="4800" b="1" dirty="0">
               <a:solidFill>
@@ -3521,9 +3385,9 @@
                 <a:latin typeface="微軟正黑體" pitchFamily="34" charset="-120"/>
                 <a:ea typeface="微軟正黑體" pitchFamily="34" charset="-120"/>
               </a:rPr>
-              <a:t>我的生命海闊天空</a:t>
-            </a:r>
-            <a:endParaRPr lang="en-US" altLang="zh-TW" sz="4800" b="1" dirty="0">
+              <a:t>就是有耶穌住在我裡面</a:t>
+            </a:r>
+            <a:endParaRPr lang="zh-TW" altLang="en-US" sz="4800" b="1" dirty="0">
               <a:solidFill>
                 <a:srgbClr val="000066"/>
               </a:solidFill>
@@ -3531,46 +3395,76 @@
               <a:ea typeface="微軟正黑體" pitchFamily="34" charset="-120"/>
             </a:endParaRPr>
           </a:p>
-          <a:p>
-            <a:pPr algn="ctr">
-              <a:buNone/>
-            </a:pPr>
-            <a:r>
-              <a:rPr lang="zh-TW" altLang="en-US" sz="4800" b="1" dirty="0">
+        </p:txBody>
+      </p:sp>
+      <p:sp>
+        <p:nvSpPr>
+          <p:cNvPr id="3" name="TextBox 2"/>
+          <p:cNvSpPr txBox="1"/>
+          <p:nvPr/>
+        </p:nvSpPr>
+        <p:spPr>
+          <a:xfrm>
+            <a:off x="0" y="3867895"/>
+            <a:ext cx="9144000" cy="584775"/>
+          </a:xfrm>
+          <a:prstGeom prst="rect">
+            <a:avLst/>
+          </a:prstGeom>
+          <a:noFill/>
+        </p:spPr>
+        <p:txBody>
+          <a:bodyPr wrap="square" rtlCol="0">
+            <a:spAutoFit/>
+          </a:bodyPr>
+          <a:lstStyle/>
+          <a:p>
+            <a:pPr algn="ctr"/>
+            <a:r>
+              <a:rPr lang="en-US" sz="3200" b="1" dirty="0">
                 <a:solidFill>
                   <a:srgbClr val="000066"/>
                 </a:solidFill>
-                <a:latin typeface="微軟正黑體" pitchFamily="34" charset="-120"/>
-                <a:ea typeface="微軟正黑體" pitchFamily="34" charset="-120"/>
+                <a:latin typeface="Microsoft JhengHei" panose="020B0604030504040204" pitchFamily="34" charset="-120"/>
+                <a:ea typeface="Microsoft JhengHei" panose="020B0604030504040204" pitchFamily="34" charset="-120"/>
               </a:rPr>
-              <a:t>不論環境順逆 我深深相信</a:t>
-            </a:r>
-            <a:endParaRPr lang="en-US" altLang="zh-TW" sz="4800" b="1" dirty="0">
+              <a:t>( </a:t>
+            </a:r>
+            <a:r>
+              <a:rPr lang="zh-CN" altLang="en-US" sz="3200" b="1" dirty="0">
+                <a:solidFill>
+                  <a:srgbClr val="000066"/>
+                </a:solidFill>
+                <a:latin typeface="Microsoft JhengHei" panose="020B0604030504040204" pitchFamily="34" charset="-120"/>
+                <a:ea typeface="Microsoft JhengHei" panose="020B0604030504040204" pitchFamily="34" charset="-120"/>
+              </a:rPr>
+              <a:t>正</a:t>
+            </a:r>
+            <a:r>
+              <a:rPr lang="en-US" sz="3200" b="1" dirty="0">
+                <a:solidFill>
+                  <a:srgbClr val="000066"/>
+                </a:solidFill>
+                <a:latin typeface="Microsoft JhengHei" panose="020B0604030504040204" pitchFamily="34" charset="-120"/>
+                <a:ea typeface="Microsoft JhengHei" panose="020B0604030504040204" pitchFamily="34" charset="-120"/>
+              </a:rPr>
+              <a:t> )</a:t>
+            </a:r>
+            <a:endParaRPr lang="vi-VN" sz="3200" b="1" dirty="0">
               <a:solidFill>
                 <a:srgbClr val="000066"/>
               </a:solidFill>
-              <a:latin typeface="微軟正黑體" pitchFamily="34" charset="-120"/>
-              <a:ea typeface="微軟正黑體" pitchFamily="34" charset="-120"/>
+              <a:ea typeface="Microsoft JhengHei" panose="020B0604030504040204" pitchFamily="34" charset="-120"/>
             </a:endParaRPr>
           </a:p>
-          <a:p>
-            <a:pPr algn="ctr">
-              <a:buNone/>
-            </a:pPr>
-            <a:r>
-              <a:rPr lang="zh-TW" altLang="en-US" sz="4800" b="1" dirty="0">
-                <a:solidFill>
-                  <a:srgbClr val="000066"/>
-                </a:solidFill>
-                <a:latin typeface="微軟正黑體" pitchFamily="34" charset="-120"/>
-                <a:ea typeface="微軟正黑體" pitchFamily="34" charset="-120"/>
-              </a:rPr>
-              <a:t>主的恩典一定夠用</a:t>
-            </a:r>
-          </a:p>
         </p:txBody>
       </p:sp>
     </p:spTree>
+    <p:extLst>
+      <p:ext uri="{BB962C8B-B14F-4D97-AF65-F5344CB8AC3E}">
+        <p14:creationId xmlns:p14="http://schemas.microsoft.com/office/powerpoint/2010/main" val="2342294847"/>
+      </p:ext>
+    </p:extLst>
   </p:cSld>
   <p:clrMapOvr>
     <a:masterClrMapping/>
@@ -3597,70 +3491,38 @@
       </p:grpSpPr>
       <p:sp>
         <p:nvSpPr>
-          <p:cNvPr id="4" name="標題 3"/>
-          <p:cNvSpPr>
-            <a:spLocks noGrp="1"/>
-          </p:cNvSpPr>
-          <p:nvPr>
-            <p:ph type="title"/>
-          </p:nvPr>
-        </p:nvSpPr>
-        <p:spPr/>
-        <p:txBody>
-          <a:bodyPr>
+          <p:cNvPr id="5" name="內容版面配置區 4"/>
+          <p:cNvSpPr>
+            <a:spLocks noGrp="1"/>
+          </p:cNvSpPr>
+          <p:nvPr>
+            <p:ph idx="1"/>
+          </p:nvPr>
+        </p:nvSpPr>
+        <p:spPr>
+          <a:xfrm>
+            <a:off x="0" y="1563639"/>
+            <a:ext cx="9144000" cy="1803647"/>
+          </a:xfrm>
+        </p:spPr>
+        <p:txBody>
+          <a:bodyPr anchor="ctr">
             <a:normAutofit/>
           </a:bodyPr>
           <a:lstStyle/>
           <a:p>
-            <a:r>
-              <a:rPr lang="zh-CN" altLang="en-US" sz="4000" b="1" dirty="0">
+            <a:pPr algn="ctr">
+              <a:buNone/>
+            </a:pPr>
+            <a:r>
+              <a:rPr lang="zh-TW" altLang="en-US" sz="4800" b="1" dirty="0">
                 <a:solidFill>
                   <a:srgbClr val="000066"/>
                 </a:solidFill>
                 <a:latin typeface="微軟正黑體" pitchFamily="34" charset="-120"/>
                 <a:ea typeface="微軟正黑體" pitchFamily="34" charset="-120"/>
               </a:rPr>
-              <a:t>耶穌在我裡面</a:t>
-            </a:r>
-            <a:endParaRPr lang="zh-TW" altLang="en-US" sz="4000" b="1" dirty="0">
-              <a:solidFill>
-                <a:srgbClr val="000066"/>
-              </a:solidFill>
-              <a:latin typeface="微軟正黑體" pitchFamily="34" charset="-120"/>
-              <a:ea typeface="微軟正黑體" pitchFamily="34" charset="-120"/>
-            </a:endParaRPr>
-          </a:p>
-        </p:txBody>
-      </p:sp>
-      <p:sp>
-        <p:nvSpPr>
-          <p:cNvPr id="5" name="內容版面配置區 4"/>
-          <p:cNvSpPr>
-            <a:spLocks noGrp="1"/>
-          </p:cNvSpPr>
-          <p:nvPr>
-            <p:ph idx="1"/>
-          </p:nvPr>
-        </p:nvSpPr>
-        <p:spPr/>
-        <p:txBody>
-          <a:bodyPr>
-            <a:noAutofit/>
-          </a:bodyPr>
-          <a:lstStyle/>
-          <a:p>
-            <a:pPr algn="ctr">
-              <a:buNone/>
-            </a:pPr>
-            <a:r>
-              <a:rPr lang="zh-TW" altLang="en-US" sz="4800" b="1" dirty="0">
-                <a:solidFill>
-                  <a:srgbClr val="000066"/>
-                </a:solidFill>
-                <a:latin typeface="微軟正黑體" pitchFamily="34" charset="-120"/>
-                <a:ea typeface="微軟正黑體" pitchFamily="34" charset="-120"/>
-              </a:rPr>
-              <a:t>因為耶穌在我裡面</a:t>
+              <a:t>世界不再吸引我</a:t>
             </a:r>
             <a:endParaRPr lang="en-US" altLang="zh-TW" sz="4800" b="1" dirty="0">
               <a:solidFill>
@@ -3682,7 +3544,7 @@
                 <a:latin typeface="微軟正黑體" pitchFamily="34" charset="-120"/>
                 <a:ea typeface="微軟正黑體" pitchFamily="34" charset="-120"/>
               </a:rPr>
-              <a:t>我能勇敢面對明天</a:t>
+              <a:t>主愛勝過全所有</a:t>
             </a:r>
             <a:endParaRPr lang="en-US" altLang="zh-TW" sz="4800" b="1" dirty="0">
               <a:solidFill>
@@ -3692,6 +3554,121 @@
               <a:ea typeface="微軟正黑體" pitchFamily="34" charset="-120"/>
             </a:endParaRPr>
           </a:p>
+        </p:txBody>
+      </p:sp>
+      <p:sp>
+        <p:nvSpPr>
+          <p:cNvPr id="3" name="TextBox 2"/>
+          <p:cNvSpPr txBox="1"/>
+          <p:nvPr/>
+        </p:nvSpPr>
+        <p:spPr>
+          <a:xfrm>
+            <a:off x="0" y="3867895"/>
+            <a:ext cx="9144000" cy="584775"/>
+          </a:xfrm>
+          <a:prstGeom prst="rect">
+            <a:avLst/>
+          </a:prstGeom>
+          <a:noFill/>
+        </p:spPr>
+        <p:txBody>
+          <a:bodyPr wrap="square" rtlCol="0">
+            <a:spAutoFit/>
+          </a:bodyPr>
+          <a:lstStyle/>
+          <a:p>
+            <a:pPr algn="ctr"/>
+            <a:r>
+              <a:rPr lang="en-US" sz="3200" b="1" dirty="0">
+                <a:solidFill>
+                  <a:srgbClr val="000066"/>
+                </a:solidFill>
+                <a:latin typeface="Microsoft JhengHei" panose="020B0604030504040204" pitchFamily="34" charset="-120"/>
+                <a:ea typeface="Microsoft JhengHei" panose="020B0604030504040204" pitchFamily="34" charset="-120"/>
+              </a:rPr>
+              <a:t>( </a:t>
+            </a:r>
+            <a:r>
+              <a:rPr lang="zh-CN" altLang="en-US" sz="3200" b="1" dirty="0">
+                <a:solidFill>
+                  <a:srgbClr val="000066"/>
+                </a:solidFill>
+                <a:latin typeface="Microsoft JhengHei" panose="020B0604030504040204" pitchFamily="34" charset="-120"/>
+                <a:ea typeface="Microsoft JhengHei" panose="020B0604030504040204" pitchFamily="34" charset="-120"/>
+              </a:rPr>
+              <a:t>正</a:t>
+            </a:r>
+            <a:r>
+              <a:rPr lang="en-US" sz="3200" b="1" dirty="0">
+                <a:solidFill>
+                  <a:srgbClr val="000066"/>
+                </a:solidFill>
+                <a:latin typeface="Microsoft JhengHei" panose="020B0604030504040204" pitchFamily="34" charset="-120"/>
+                <a:ea typeface="Microsoft JhengHei" panose="020B0604030504040204" pitchFamily="34" charset="-120"/>
+              </a:rPr>
+              <a:t> )</a:t>
+            </a:r>
+            <a:endParaRPr lang="vi-VN" sz="3200" b="1" dirty="0">
+              <a:solidFill>
+                <a:srgbClr val="000066"/>
+              </a:solidFill>
+              <a:ea typeface="Microsoft JhengHei" panose="020B0604030504040204" pitchFamily="34" charset="-120"/>
+            </a:endParaRPr>
+          </a:p>
+        </p:txBody>
+      </p:sp>
+    </p:spTree>
+    <p:extLst>
+      <p:ext uri="{BB962C8B-B14F-4D97-AF65-F5344CB8AC3E}">
+        <p14:creationId xmlns:p14="http://schemas.microsoft.com/office/powerpoint/2010/main" val="4161725805"/>
+      </p:ext>
+    </p:extLst>
+  </p:cSld>
+  <p:clrMapOvr>
+    <a:masterClrMapping/>
+  </p:clrMapOvr>
+</p:sld>
+</file>
+
+<file path=ppt/slides/slide5.xml><?xml version="1.0" encoding="utf-8"?>
+<p:sld xmlns:a="http://schemas.openxmlformats.org/drawingml/2006/main" xmlns:r="http://schemas.openxmlformats.org/officeDocument/2006/relationships" xmlns:p="http://schemas.openxmlformats.org/presentationml/2006/main">
+  <p:cSld>
+    <p:spTree>
+      <p:nvGrpSpPr>
+        <p:cNvPr id="1" name=""/>
+        <p:cNvGrpSpPr/>
+        <p:nvPr/>
+      </p:nvGrpSpPr>
+      <p:grpSpPr>
+        <a:xfrm>
+          <a:off x="0" y="0"/>
+          <a:ext cx="0" cy="0"/>
+          <a:chOff x="0" y="0"/>
+          <a:chExt cx="0" cy="0"/>
+        </a:xfrm>
+      </p:grpSpPr>
+      <p:sp>
+        <p:nvSpPr>
+          <p:cNvPr id="5" name="內容版面配置區 4"/>
+          <p:cNvSpPr>
+            <a:spLocks noGrp="1"/>
+          </p:cNvSpPr>
+          <p:nvPr>
+            <p:ph idx="1"/>
+          </p:nvPr>
+        </p:nvSpPr>
+        <p:spPr>
+          <a:xfrm>
+            <a:off x="0" y="1563639"/>
+            <a:ext cx="9144000" cy="1803647"/>
+          </a:xfrm>
+        </p:spPr>
+        <p:txBody>
+          <a:bodyPr anchor="ctr">
+            <a:normAutofit/>
+          </a:bodyPr>
+          <a:lstStyle/>
           <a:p>
             <a:pPr algn="ctr">
               <a:buNone/>
@@ -3704,7 +3681,7 @@
                 <a:latin typeface="微軟正黑體" pitchFamily="34" charset="-120"/>
                 <a:ea typeface="微軟正黑體" pitchFamily="34" charset="-120"/>
               </a:rPr>
-              <a:t>困難都將過去 我靠主站立</a:t>
+              <a:t>一生最大的祝福</a:t>
             </a:r>
             <a:endParaRPr lang="en-US" altLang="zh-TW" sz="4800" b="1" dirty="0">
               <a:solidFill>
@@ -3726,12 +3703,741 @@
                 <a:latin typeface="微軟正黑體" pitchFamily="34" charset="-120"/>
                 <a:ea typeface="微軟正黑體" pitchFamily="34" charset="-120"/>
               </a:rPr>
+              <a:t>就是有耶穌住在我裡面</a:t>
+            </a:r>
+          </a:p>
+        </p:txBody>
+      </p:sp>
+      <p:sp>
+        <p:nvSpPr>
+          <p:cNvPr id="3" name="TextBox 2"/>
+          <p:cNvSpPr txBox="1"/>
+          <p:nvPr/>
+        </p:nvSpPr>
+        <p:spPr>
+          <a:xfrm>
+            <a:off x="0" y="3867895"/>
+            <a:ext cx="9144000" cy="584775"/>
+          </a:xfrm>
+          <a:prstGeom prst="rect">
+            <a:avLst/>
+          </a:prstGeom>
+          <a:noFill/>
+        </p:spPr>
+        <p:txBody>
+          <a:bodyPr wrap="square" rtlCol="0">
+            <a:spAutoFit/>
+          </a:bodyPr>
+          <a:lstStyle/>
+          <a:p>
+            <a:pPr algn="ctr"/>
+            <a:r>
+              <a:rPr lang="en-US" sz="3200" b="1" dirty="0">
+                <a:solidFill>
+                  <a:srgbClr val="000066"/>
+                </a:solidFill>
+                <a:latin typeface="Microsoft JhengHei" panose="020B0604030504040204" pitchFamily="34" charset="-120"/>
+                <a:ea typeface="Microsoft JhengHei" panose="020B0604030504040204" pitchFamily="34" charset="-120"/>
+              </a:rPr>
+              <a:t>( </a:t>
+            </a:r>
+            <a:r>
+              <a:rPr lang="zh-CN" altLang="en-US" sz="3200" b="1" dirty="0">
+                <a:solidFill>
+                  <a:srgbClr val="000066"/>
+                </a:solidFill>
+                <a:latin typeface="Microsoft JhengHei" panose="020B0604030504040204" pitchFamily="34" charset="-120"/>
+                <a:ea typeface="Microsoft JhengHei" panose="020B0604030504040204" pitchFamily="34" charset="-120"/>
+              </a:rPr>
+              <a:t>正</a:t>
+            </a:r>
+            <a:r>
+              <a:rPr lang="en-US" sz="3200" b="1" dirty="0">
+                <a:solidFill>
+                  <a:srgbClr val="000066"/>
+                </a:solidFill>
+                <a:latin typeface="Microsoft JhengHei" panose="020B0604030504040204" pitchFamily="34" charset="-120"/>
+                <a:ea typeface="Microsoft JhengHei" panose="020B0604030504040204" pitchFamily="34" charset="-120"/>
+              </a:rPr>
+              <a:t> )</a:t>
+            </a:r>
+            <a:endParaRPr lang="vi-VN" sz="3200" b="1" dirty="0">
+              <a:solidFill>
+                <a:srgbClr val="000066"/>
+              </a:solidFill>
+              <a:ea typeface="Microsoft JhengHei" panose="020B0604030504040204" pitchFamily="34" charset="-120"/>
+            </a:endParaRPr>
+          </a:p>
+        </p:txBody>
+      </p:sp>
+    </p:spTree>
+    <p:extLst>
+      <p:ext uri="{BB962C8B-B14F-4D97-AF65-F5344CB8AC3E}">
+        <p14:creationId xmlns:p14="http://schemas.microsoft.com/office/powerpoint/2010/main" val="3039789359"/>
+      </p:ext>
+    </p:extLst>
+  </p:cSld>
+  <p:clrMapOvr>
+    <a:masterClrMapping/>
+  </p:clrMapOvr>
+</p:sld>
+</file>
+
+<file path=ppt/slides/slide6.xml><?xml version="1.0" encoding="utf-8"?>
+<p:sld xmlns:a="http://schemas.openxmlformats.org/drawingml/2006/main" xmlns:r="http://schemas.openxmlformats.org/officeDocument/2006/relationships" xmlns:p="http://schemas.openxmlformats.org/presentationml/2006/main">
+  <p:cSld>
+    <p:spTree>
+      <p:nvGrpSpPr>
+        <p:cNvPr id="1" name=""/>
+        <p:cNvGrpSpPr/>
+        <p:nvPr/>
+      </p:nvGrpSpPr>
+      <p:grpSpPr>
+        <a:xfrm>
+          <a:off x="0" y="0"/>
+          <a:ext cx="0" cy="0"/>
+          <a:chOff x="0" y="0"/>
+          <a:chExt cx="0" cy="0"/>
+        </a:xfrm>
+      </p:grpSpPr>
+      <p:sp>
+        <p:nvSpPr>
+          <p:cNvPr id="5" name="內容版面配置區 4"/>
+          <p:cNvSpPr>
+            <a:spLocks noGrp="1"/>
+          </p:cNvSpPr>
+          <p:nvPr>
+            <p:ph idx="1"/>
+          </p:nvPr>
+        </p:nvSpPr>
+        <p:spPr>
+          <a:xfrm>
+            <a:off x="0" y="1563639"/>
+            <a:ext cx="9144000" cy="1803647"/>
+          </a:xfrm>
+        </p:spPr>
+        <p:txBody>
+          <a:bodyPr anchor="ctr">
+            <a:normAutofit/>
+          </a:bodyPr>
+          <a:lstStyle/>
+          <a:p>
+            <a:pPr algn="ctr">
+              <a:buNone/>
+            </a:pPr>
+            <a:r>
+              <a:rPr lang="zh-TW" altLang="en-US" sz="4800" b="1" dirty="0">
+                <a:solidFill>
+                  <a:srgbClr val="000066"/>
+                </a:solidFill>
+                <a:latin typeface="微軟正黑體" pitchFamily="34" charset="-120"/>
+                <a:ea typeface="微軟正黑體" pitchFamily="34" charset="-120"/>
+              </a:rPr>
+              <a:t>因為耶穌在我裡面</a:t>
+            </a:r>
+            <a:endParaRPr lang="en-US" altLang="zh-TW" sz="4800" b="1" dirty="0">
+              <a:solidFill>
+                <a:srgbClr val="000066"/>
+              </a:solidFill>
+              <a:latin typeface="微軟正黑體" pitchFamily="34" charset="-120"/>
+              <a:ea typeface="微軟正黑體" pitchFamily="34" charset="-120"/>
+            </a:endParaRPr>
+          </a:p>
+          <a:p>
+            <a:pPr algn="ctr">
+              <a:buNone/>
+            </a:pPr>
+            <a:r>
+              <a:rPr lang="zh-TW" altLang="en-US" sz="4800" b="1" dirty="0">
+                <a:solidFill>
+                  <a:srgbClr val="000066"/>
+                </a:solidFill>
+                <a:latin typeface="微軟正黑體" pitchFamily="34" charset="-120"/>
+                <a:ea typeface="微軟正黑體" pitchFamily="34" charset="-120"/>
+              </a:rPr>
+              <a:t>我的生命海闊天空</a:t>
+            </a:r>
+            <a:endParaRPr lang="en-US" altLang="zh-TW" sz="4800" b="1" dirty="0">
+              <a:solidFill>
+                <a:srgbClr val="000066"/>
+              </a:solidFill>
+              <a:latin typeface="微軟正黑體" pitchFamily="34" charset="-120"/>
+              <a:ea typeface="微軟正黑體" pitchFamily="34" charset="-120"/>
+            </a:endParaRPr>
+          </a:p>
+        </p:txBody>
+      </p:sp>
+      <p:sp>
+        <p:nvSpPr>
+          <p:cNvPr id="3" name="TextBox 2"/>
+          <p:cNvSpPr txBox="1"/>
+          <p:nvPr/>
+        </p:nvSpPr>
+        <p:spPr>
+          <a:xfrm>
+            <a:off x="0" y="3867895"/>
+            <a:ext cx="9144000" cy="584775"/>
+          </a:xfrm>
+          <a:prstGeom prst="rect">
+            <a:avLst/>
+          </a:prstGeom>
+          <a:noFill/>
+        </p:spPr>
+        <p:txBody>
+          <a:bodyPr wrap="square" rtlCol="0">
+            <a:spAutoFit/>
+          </a:bodyPr>
+          <a:lstStyle/>
+          <a:p>
+            <a:pPr algn="ctr"/>
+            <a:r>
+              <a:rPr lang="en-US" sz="3200" b="1" dirty="0">
+                <a:solidFill>
+                  <a:srgbClr val="000066"/>
+                </a:solidFill>
+                <a:latin typeface="Microsoft JhengHei" panose="020B0604030504040204" pitchFamily="34" charset="-120"/>
+                <a:ea typeface="Microsoft JhengHei" panose="020B0604030504040204" pitchFamily="34" charset="-120"/>
+              </a:rPr>
+              <a:t>( </a:t>
+            </a:r>
+            <a:r>
+              <a:rPr lang="zh-CN" altLang="en-US" sz="3200" b="1" dirty="0">
+                <a:solidFill>
+                  <a:srgbClr val="000066"/>
+                </a:solidFill>
+                <a:latin typeface="Microsoft JhengHei" panose="020B0604030504040204" pitchFamily="34" charset="-120"/>
+                <a:ea typeface="Microsoft JhengHei" panose="020B0604030504040204" pitchFamily="34" charset="-120"/>
+              </a:rPr>
+              <a:t>副</a:t>
+            </a:r>
+            <a:r>
+              <a:rPr lang="en-US" sz="3200" b="1" dirty="0">
+                <a:solidFill>
+                  <a:srgbClr val="000066"/>
+                </a:solidFill>
+                <a:latin typeface="Microsoft JhengHei" panose="020B0604030504040204" pitchFamily="34" charset="-120"/>
+                <a:ea typeface="Microsoft JhengHei" panose="020B0604030504040204" pitchFamily="34" charset="-120"/>
+              </a:rPr>
+              <a:t> )</a:t>
+            </a:r>
+            <a:endParaRPr lang="vi-VN" sz="3200" b="1" dirty="0">
+              <a:solidFill>
+                <a:srgbClr val="000066"/>
+              </a:solidFill>
+              <a:ea typeface="Microsoft JhengHei" panose="020B0604030504040204" pitchFamily="34" charset="-120"/>
+            </a:endParaRPr>
+          </a:p>
+        </p:txBody>
+      </p:sp>
+    </p:spTree>
+    <p:extLst>
+      <p:ext uri="{BB962C8B-B14F-4D97-AF65-F5344CB8AC3E}">
+        <p14:creationId xmlns:p14="http://schemas.microsoft.com/office/powerpoint/2010/main" val="402724183"/>
+      </p:ext>
+    </p:extLst>
+  </p:cSld>
+  <p:clrMapOvr>
+    <a:masterClrMapping/>
+  </p:clrMapOvr>
+</p:sld>
+</file>
+
+<file path=ppt/slides/slide7.xml><?xml version="1.0" encoding="utf-8"?>
+<p:sld xmlns:a="http://schemas.openxmlformats.org/drawingml/2006/main" xmlns:r="http://schemas.openxmlformats.org/officeDocument/2006/relationships" xmlns:p="http://schemas.openxmlformats.org/presentationml/2006/main">
+  <p:cSld>
+    <p:spTree>
+      <p:nvGrpSpPr>
+        <p:cNvPr id="1" name=""/>
+        <p:cNvGrpSpPr/>
+        <p:nvPr/>
+      </p:nvGrpSpPr>
+      <p:grpSpPr>
+        <a:xfrm>
+          <a:off x="0" y="0"/>
+          <a:ext cx="0" cy="0"/>
+          <a:chOff x="0" y="0"/>
+          <a:chExt cx="0" cy="0"/>
+        </a:xfrm>
+      </p:grpSpPr>
+      <p:sp>
+        <p:nvSpPr>
+          <p:cNvPr id="5" name="內容版面配置區 4"/>
+          <p:cNvSpPr>
+            <a:spLocks noGrp="1"/>
+          </p:cNvSpPr>
+          <p:nvPr>
+            <p:ph idx="1"/>
+          </p:nvPr>
+        </p:nvSpPr>
+        <p:spPr>
+          <a:xfrm>
+            <a:off x="0" y="1563639"/>
+            <a:ext cx="9144000" cy="1803647"/>
+          </a:xfrm>
+        </p:spPr>
+        <p:txBody>
+          <a:bodyPr anchor="ctr">
+            <a:normAutofit/>
+          </a:bodyPr>
+          <a:lstStyle/>
+          <a:p>
+            <a:pPr algn="ctr">
+              <a:buNone/>
+            </a:pPr>
+            <a:r>
+              <a:rPr lang="zh-TW" altLang="en-US" sz="4800" b="1" dirty="0">
+                <a:solidFill>
+                  <a:srgbClr val="000066"/>
+                </a:solidFill>
+                <a:latin typeface="微軟正黑體" pitchFamily="34" charset="-120"/>
+                <a:ea typeface="微軟正黑體" pitchFamily="34" charset="-120"/>
+              </a:rPr>
+              <a:t>不論環境順逆 </a:t>
+            </a:r>
+            <a:r>
+              <a:rPr lang="zh-TW" altLang="en-US" sz="4800" b="1" dirty="0">
+                <a:solidFill>
+                  <a:srgbClr val="000066"/>
+                </a:solidFill>
+                <a:latin typeface="微軟正黑體" pitchFamily="34" charset="-120"/>
+                <a:ea typeface="微軟正黑體" pitchFamily="34" charset="-120"/>
+              </a:rPr>
+              <a:t>  我</a:t>
+            </a:r>
+            <a:r>
+              <a:rPr lang="zh-TW" altLang="en-US" sz="4800" b="1" dirty="0">
+                <a:solidFill>
+                  <a:srgbClr val="000066"/>
+                </a:solidFill>
+                <a:latin typeface="微軟正黑體" pitchFamily="34" charset="-120"/>
+                <a:ea typeface="微軟正黑體" pitchFamily="34" charset="-120"/>
+              </a:rPr>
+              <a:t>深深相信</a:t>
+            </a:r>
+            <a:endParaRPr lang="en-US" altLang="zh-TW" sz="4800" b="1" dirty="0">
+              <a:solidFill>
+                <a:srgbClr val="000066"/>
+              </a:solidFill>
+              <a:latin typeface="微軟正黑體" pitchFamily="34" charset="-120"/>
+              <a:ea typeface="微軟正黑體" pitchFamily="34" charset="-120"/>
+            </a:endParaRPr>
+          </a:p>
+          <a:p>
+            <a:pPr algn="ctr">
+              <a:buNone/>
+            </a:pPr>
+            <a:r>
+              <a:rPr lang="zh-TW" altLang="en-US" sz="4800" b="1" dirty="0">
+                <a:solidFill>
+                  <a:srgbClr val="000066"/>
+                </a:solidFill>
+                <a:latin typeface="微軟正黑體" pitchFamily="34" charset="-120"/>
+                <a:ea typeface="微軟正黑體" pitchFamily="34" charset="-120"/>
+              </a:rPr>
+              <a:t>主的恩典一定夠用</a:t>
+            </a:r>
+          </a:p>
+        </p:txBody>
+      </p:sp>
+      <p:sp>
+        <p:nvSpPr>
+          <p:cNvPr id="3" name="TextBox 2"/>
+          <p:cNvSpPr txBox="1"/>
+          <p:nvPr/>
+        </p:nvSpPr>
+        <p:spPr>
+          <a:xfrm>
+            <a:off x="0" y="3867895"/>
+            <a:ext cx="9144000" cy="584775"/>
+          </a:xfrm>
+          <a:prstGeom prst="rect">
+            <a:avLst/>
+          </a:prstGeom>
+          <a:noFill/>
+        </p:spPr>
+        <p:txBody>
+          <a:bodyPr wrap="square" rtlCol="0">
+            <a:spAutoFit/>
+          </a:bodyPr>
+          <a:lstStyle/>
+          <a:p>
+            <a:pPr algn="ctr"/>
+            <a:r>
+              <a:rPr lang="en-US" sz="3200" b="1" dirty="0">
+                <a:solidFill>
+                  <a:srgbClr val="000066"/>
+                </a:solidFill>
+                <a:latin typeface="Microsoft JhengHei" panose="020B0604030504040204" pitchFamily="34" charset="-120"/>
+                <a:ea typeface="Microsoft JhengHei" panose="020B0604030504040204" pitchFamily="34" charset="-120"/>
+              </a:rPr>
+              <a:t>( </a:t>
+            </a:r>
+            <a:r>
+              <a:rPr lang="zh-CN" altLang="en-US" sz="3200" b="1" dirty="0">
+                <a:solidFill>
+                  <a:srgbClr val="000066"/>
+                </a:solidFill>
+                <a:latin typeface="Microsoft JhengHei" panose="020B0604030504040204" pitchFamily="34" charset="-120"/>
+                <a:ea typeface="Microsoft JhengHei" panose="020B0604030504040204" pitchFamily="34" charset="-120"/>
+              </a:rPr>
+              <a:t>副</a:t>
+            </a:r>
+            <a:r>
+              <a:rPr lang="en-US" sz="3200" b="1" dirty="0">
+                <a:solidFill>
+                  <a:srgbClr val="000066"/>
+                </a:solidFill>
+                <a:latin typeface="Microsoft JhengHei" panose="020B0604030504040204" pitchFamily="34" charset="-120"/>
+                <a:ea typeface="Microsoft JhengHei" panose="020B0604030504040204" pitchFamily="34" charset="-120"/>
+              </a:rPr>
+              <a:t> )</a:t>
+            </a:r>
+            <a:endParaRPr lang="vi-VN" sz="3200" b="1" dirty="0">
+              <a:solidFill>
+                <a:srgbClr val="000066"/>
+              </a:solidFill>
+              <a:ea typeface="Microsoft JhengHei" panose="020B0604030504040204" pitchFamily="34" charset="-120"/>
+            </a:endParaRPr>
+          </a:p>
+        </p:txBody>
+      </p:sp>
+    </p:spTree>
+    <p:extLst>
+      <p:ext uri="{BB962C8B-B14F-4D97-AF65-F5344CB8AC3E}">
+        <p14:creationId xmlns:p14="http://schemas.microsoft.com/office/powerpoint/2010/main" val="335056555"/>
+      </p:ext>
+    </p:extLst>
+  </p:cSld>
+  <p:clrMapOvr>
+    <a:masterClrMapping/>
+  </p:clrMapOvr>
+</p:sld>
+</file>
+
+<file path=ppt/slides/slide8.xml><?xml version="1.0" encoding="utf-8"?>
+<p:sld xmlns:a="http://schemas.openxmlformats.org/drawingml/2006/main" xmlns:r="http://schemas.openxmlformats.org/officeDocument/2006/relationships" xmlns:p="http://schemas.openxmlformats.org/presentationml/2006/main">
+  <p:cSld>
+    <p:spTree>
+      <p:nvGrpSpPr>
+        <p:cNvPr id="1" name=""/>
+        <p:cNvGrpSpPr/>
+        <p:nvPr/>
+      </p:nvGrpSpPr>
+      <p:grpSpPr>
+        <a:xfrm>
+          <a:off x="0" y="0"/>
+          <a:ext cx="0" cy="0"/>
+          <a:chOff x="0" y="0"/>
+          <a:chExt cx="0" cy="0"/>
+        </a:xfrm>
+      </p:grpSpPr>
+      <p:sp>
+        <p:nvSpPr>
+          <p:cNvPr id="5" name="內容版面配置區 4"/>
+          <p:cNvSpPr>
+            <a:spLocks noGrp="1"/>
+          </p:cNvSpPr>
+          <p:nvPr>
+            <p:ph idx="1"/>
+          </p:nvPr>
+        </p:nvSpPr>
+        <p:spPr>
+          <a:xfrm>
+            <a:off x="0" y="1563639"/>
+            <a:ext cx="9144000" cy="1803647"/>
+          </a:xfrm>
+        </p:spPr>
+        <p:txBody>
+          <a:bodyPr anchor="ctr">
+            <a:normAutofit/>
+          </a:bodyPr>
+          <a:lstStyle/>
+          <a:p>
+            <a:pPr algn="ctr">
+              <a:buNone/>
+            </a:pPr>
+            <a:r>
+              <a:rPr lang="zh-TW" altLang="en-US" sz="4800" b="1" dirty="0">
+                <a:solidFill>
+                  <a:srgbClr val="000066"/>
+                </a:solidFill>
+                <a:latin typeface="微軟正黑體" pitchFamily="34" charset="-120"/>
+                <a:ea typeface="微軟正黑體" pitchFamily="34" charset="-120"/>
+              </a:rPr>
+              <a:t>因為耶穌在我裡面</a:t>
+            </a:r>
+            <a:endParaRPr lang="en-US" altLang="zh-TW" sz="4800" b="1" dirty="0">
+              <a:solidFill>
+                <a:srgbClr val="000066"/>
+              </a:solidFill>
+              <a:latin typeface="微軟正黑體" pitchFamily="34" charset="-120"/>
+              <a:ea typeface="微軟正黑體" pitchFamily="34" charset="-120"/>
+            </a:endParaRPr>
+          </a:p>
+          <a:p>
+            <a:pPr algn="ctr">
+              <a:buNone/>
+            </a:pPr>
+            <a:r>
+              <a:rPr lang="zh-TW" altLang="en-US" sz="4800" b="1" dirty="0">
+                <a:solidFill>
+                  <a:srgbClr val="000066"/>
+                </a:solidFill>
+                <a:latin typeface="微軟正黑體" pitchFamily="34" charset="-120"/>
+                <a:ea typeface="微軟正黑體" pitchFamily="34" charset="-120"/>
+              </a:rPr>
+              <a:t>我能勇敢面對明天</a:t>
+            </a:r>
+            <a:endParaRPr lang="en-US" altLang="zh-TW" sz="4800" b="1" dirty="0">
+              <a:solidFill>
+                <a:srgbClr val="000066"/>
+              </a:solidFill>
+              <a:latin typeface="微軟正黑體" pitchFamily="34" charset="-120"/>
+              <a:ea typeface="微軟正黑體" pitchFamily="34" charset="-120"/>
+            </a:endParaRPr>
+          </a:p>
+        </p:txBody>
+      </p:sp>
+      <p:sp>
+        <p:nvSpPr>
+          <p:cNvPr id="3" name="TextBox 2"/>
+          <p:cNvSpPr txBox="1"/>
+          <p:nvPr/>
+        </p:nvSpPr>
+        <p:spPr>
+          <a:xfrm>
+            <a:off x="0" y="3867895"/>
+            <a:ext cx="9144000" cy="584775"/>
+          </a:xfrm>
+          <a:prstGeom prst="rect">
+            <a:avLst/>
+          </a:prstGeom>
+          <a:noFill/>
+        </p:spPr>
+        <p:txBody>
+          <a:bodyPr wrap="square" rtlCol="0">
+            <a:spAutoFit/>
+          </a:bodyPr>
+          <a:lstStyle/>
+          <a:p>
+            <a:pPr algn="ctr"/>
+            <a:r>
+              <a:rPr lang="en-US" sz="3200" b="1" dirty="0">
+                <a:solidFill>
+                  <a:srgbClr val="000066"/>
+                </a:solidFill>
+                <a:latin typeface="Microsoft JhengHei" panose="020B0604030504040204" pitchFamily="34" charset="-120"/>
+                <a:ea typeface="Microsoft JhengHei" panose="020B0604030504040204" pitchFamily="34" charset="-120"/>
+              </a:rPr>
+              <a:t>( </a:t>
+            </a:r>
+            <a:r>
+              <a:rPr lang="zh-CN" altLang="en-US" sz="3200" b="1" dirty="0">
+                <a:solidFill>
+                  <a:srgbClr val="000066"/>
+                </a:solidFill>
+                <a:latin typeface="Microsoft JhengHei" panose="020B0604030504040204" pitchFamily="34" charset="-120"/>
+                <a:ea typeface="Microsoft JhengHei" panose="020B0604030504040204" pitchFamily="34" charset="-120"/>
+              </a:rPr>
+              <a:t>副</a:t>
+            </a:r>
+            <a:r>
+              <a:rPr lang="en-US" sz="3200" b="1" dirty="0">
+                <a:solidFill>
+                  <a:srgbClr val="000066"/>
+                </a:solidFill>
+                <a:latin typeface="Microsoft JhengHei" panose="020B0604030504040204" pitchFamily="34" charset="-120"/>
+                <a:ea typeface="Microsoft JhengHei" panose="020B0604030504040204" pitchFamily="34" charset="-120"/>
+              </a:rPr>
+              <a:t> )</a:t>
+            </a:r>
+            <a:endParaRPr lang="vi-VN" sz="3200" b="1" dirty="0">
+              <a:solidFill>
+                <a:srgbClr val="000066"/>
+              </a:solidFill>
+              <a:ea typeface="Microsoft JhengHei" panose="020B0604030504040204" pitchFamily="34" charset="-120"/>
+            </a:endParaRPr>
+          </a:p>
+        </p:txBody>
+      </p:sp>
+    </p:spTree>
+    <p:extLst>
+      <p:ext uri="{BB962C8B-B14F-4D97-AF65-F5344CB8AC3E}">
+        <p14:creationId xmlns:p14="http://schemas.microsoft.com/office/powerpoint/2010/main" val="158216463"/>
+      </p:ext>
+    </p:extLst>
+  </p:cSld>
+  <p:clrMapOvr>
+    <a:masterClrMapping/>
+  </p:clrMapOvr>
+</p:sld>
+</file>
+
+<file path=ppt/slides/slide9.xml><?xml version="1.0" encoding="utf-8"?>
+<p:sld xmlns:a="http://schemas.openxmlformats.org/drawingml/2006/main" xmlns:r="http://schemas.openxmlformats.org/officeDocument/2006/relationships" xmlns:p="http://schemas.openxmlformats.org/presentationml/2006/main">
+  <p:cSld>
+    <p:spTree>
+      <p:nvGrpSpPr>
+        <p:cNvPr id="1" name=""/>
+        <p:cNvGrpSpPr/>
+        <p:nvPr/>
+      </p:nvGrpSpPr>
+      <p:grpSpPr>
+        <a:xfrm>
+          <a:off x="0" y="0"/>
+          <a:ext cx="0" cy="0"/>
+          <a:chOff x="0" y="0"/>
+          <a:chExt cx="0" cy="0"/>
+        </a:xfrm>
+      </p:grpSpPr>
+      <p:sp>
+        <p:nvSpPr>
+          <p:cNvPr id="5" name="內容版面配置區 4"/>
+          <p:cNvSpPr>
+            <a:spLocks noGrp="1"/>
+          </p:cNvSpPr>
+          <p:nvPr>
+            <p:ph idx="1"/>
+          </p:nvPr>
+        </p:nvSpPr>
+        <p:spPr>
+          <a:xfrm>
+            <a:off x="0" y="1563639"/>
+            <a:ext cx="9144000" cy="1803647"/>
+          </a:xfrm>
+        </p:spPr>
+        <p:txBody>
+          <a:bodyPr anchor="ctr">
+            <a:normAutofit/>
+          </a:bodyPr>
+          <a:lstStyle/>
+          <a:p>
+            <a:pPr algn="ctr">
+              <a:buNone/>
+            </a:pPr>
+            <a:r>
+              <a:rPr lang="zh-TW" altLang="en-US" sz="4800" b="1" dirty="0">
+                <a:solidFill>
+                  <a:srgbClr val="000066"/>
+                </a:solidFill>
+                <a:latin typeface="微軟正黑體" pitchFamily="34" charset="-120"/>
+                <a:ea typeface="微軟正黑體" pitchFamily="34" charset="-120"/>
+              </a:rPr>
+              <a:t>困難都將過去 </a:t>
+            </a:r>
+            <a:r>
+              <a:rPr lang="zh-TW" altLang="en-US" sz="4800" b="1" dirty="0">
+                <a:solidFill>
+                  <a:srgbClr val="000066"/>
+                </a:solidFill>
+                <a:latin typeface="微軟正黑體" pitchFamily="34" charset="-120"/>
+                <a:ea typeface="微軟正黑體" pitchFamily="34" charset="-120"/>
+              </a:rPr>
+              <a:t>  我</a:t>
+            </a:r>
+            <a:r>
+              <a:rPr lang="zh-TW" altLang="en-US" sz="4800" b="1" dirty="0">
+                <a:solidFill>
+                  <a:srgbClr val="000066"/>
+                </a:solidFill>
+                <a:latin typeface="微軟正黑體" pitchFamily="34" charset="-120"/>
+                <a:ea typeface="微軟正黑體" pitchFamily="34" charset="-120"/>
+              </a:rPr>
+              <a:t>靠主站立</a:t>
+            </a:r>
+            <a:endParaRPr lang="en-US" altLang="zh-TW" sz="4800" b="1" dirty="0">
+              <a:solidFill>
+                <a:srgbClr val="000066"/>
+              </a:solidFill>
+              <a:latin typeface="微軟正黑體" pitchFamily="34" charset="-120"/>
+              <a:ea typeface="微軟正黑體" pitchFamily="34" charset="-120"/>
+            </a:endParaRPr>
+          </a:p>
+          <a:p>
+            <a:pPr algn="ctr">
+              <a:buNone/>
+            </a:pPr>
+            <a:r>
+              <a:rPr lang="zh-TW" altLang="en-US" sz="4800" b="1" dirty="0">
+                <a:solidFill>
+                  <a:srgbClr val="000066"/>
+                </a:solidFill>
+                <a:latin typeface="微軟正黑體" pitchFamily="34" charset="-120"/>
+                <a:ea typeface="微軟正黑體" pitchFamily="34" charset="-120"/>
+              </a:rPr>
               <a:t>定睛天上榮耀冠冕</a:t>
             </a:r>
           </a:p>
         </p:txBody>
       </p:sp>
+      <p:sp>
+        <p:nvSpPr>
+          <p:cNvPr id="3" name="TextBox 2"/>
+          <p:cNvSpPr txBox="1"/>
+          <p:nvPr/>
+        </p:nvSpPr>
+        <p:spPr>
+          <a:xfrm>
+            <a:off x="0" y="3867895"/>
+            <a:ext cx="9144000" cy="584775"/>
+          </a:xfrm>
+          <a:prstGeom prst="rect">
+            <a:avLst/>
+          </a:prstGeom>
+          <a:noFill/>
+        </p:spPr>
+        <p:txBody>
+          <a:bodyPr wrap="square" rtlCol="0">
+            <a:spAutoFit/>
+          </a:bodyPr>
+          <a:lstStyle/>
+          <a:p>
+            <a:pPr algn="ctr"/>
+            <a:r>
+              <a:rPr lang="en-US" sz="3200" b="1" dirty="0">
+                <a:solidFill>
+                  <a:srgbClr val="000066"/>
+                </a:solidFill>
+                <a:latin typeface="Microsoft JhengHei" panose="020B0604030504040204" pitchFamily="34" charset="-120"/>
+                <a:ea typeface="Microsoft JhengHei" panose="020B0604030504040204" pitchFamily="34" charset="-120"/>
+              </a:rPr>
+              <a:t>( </a:t>
+            </a:r>
+            <a:r>
+              <a:rPr lang="zh-CN" altLang="en-US" sz="3200" b="1" dirty="0">
+                <a:solidFill>
+                  <a:srgbClr val="000066"/>
+                </a:solidFill>
+                <a:latin typeface="Microsoft JhengHei" panose="020B0604030504040204" pitchFamily="34" charset="-120"/>
+                <a:ea typeface="Microsoft JhengHei" panose="020B0604030504040204" pitchFamily="34" charset="-120"/>
+              </a:rPr>
+              <a:t>副</a:t>
+            </a:r>
+            <a:r>
+              <a:rPr lang="en-US" sz="3200" b="1" dirty="0">
+                <a:solidFill>
+                  <a:srgbClr val="000066"/>
+                </a:solidFill>
+                <a:latin typeface="Microsoft JhengHei" panose="020B0604030504040204" pitchFamily="34" charset="-120"/>
+                <a:ea typeface="Microsoft JhengHei" panose="020B0604030504040204" pitchFamily="34" charset="-120"/>
+              </a:rPr>
+              <a:t> )</a:t>
+            </a:r>
+            <a:endParaRPr lang="vi-VN" sz="3200" b="1" dirty="0">
+              <a:solidFill>
+                <a:srgbClr val="000066"/>
+              </a:solidFill>
+              <a:ea typeface="Microsoft JhengHei" panose="020B0604030504040204" pitchFamily="34" charset="-120"/>
+            </a:endParaRPr>
+          </a:p>
+        </p:txBody>
+      </p:sp>
     </p:spTree>
+    <p:extLst>
+      <p:ext uri="{BB962C8B-B14F-4D97-AF65-F5344CB8AC3E}">
+        <p14:creationId xmlns:p14="http://schemas.microsoft.com/office/powerpoint/2010/main" val="3384500369"/>
+      </p:ext>
+    </p:extLst>
   </p:cSld>
   <p:clrMapOvr>
     <a:masterClrMapping/>

--- a/耶穌在我裡面.pptx
+++ b/耶穌在我裡面.pptx
@@ -169,10 +169,9 @@
           <a:lstStyle/>
           <a:p>
             <a:r>
-              <a:rPr lang="zh-TW" altLang="en-US" smtClean="0"/>
+              <a:rPr lang="zh-TW" altLang="en-US"/>
               <a:t>按一下以編輯母片標題樣式</a:t>
             </a:r>
-            <a:endParaRPr lang="zh-TW" altLang="en-US"/>
           </a:p>
         </p:txBody>
       </p:sp>
@@ -288,10 +287,9 @@
           </a:lstStyle>
           <a:p>
             <a:r>
-              <a:rPr lang="zh-TW" altLang="en-US" smtClean="0"/>
+              <a:rPr lang="zh-TW" altLang="en-US"/>
               <a:t>按一下以編輯母片副標題樣式</a:t>
             </a:r>
-            <a:endParaRPr lang="zh-TW" altLang="en-US"/>
           </a:p>
         </p:txBody>
       </p:sp>
@@ -312,7 +310,7 @@
           <a:p>
             <a:fld id="{DBB631E9-9F00-4D46-8FD6-D0B94D862A5F}" type="datetimeFigureOut">
               <a:rPr lang="zh-TW" altLang="en-US" smtClean="0"/>
-              <a:t>2022/3/29</a:t>
+              <a:t>2023/12/5</a:t>
             </a:fld>
             <a:endParaRPr lang="zh-TW" altLang="en-US"/>
           </a:p>
@@ -401,10 +399,9 @@
           <a:lstStyle/>
           <a:p>
             <a:r>
-              <a:rPr lang="zh-TW" altLang="en-US" smtClean="0"/>
+              <a:rPr lang="zh-TW" altLang="en-US"/>
               <a:t>按一下以編輯母片標題樣式</a:t>
             </a:r>
-            <a:endParaRPr lang="zh-TW" altLang="en-US"/>
           </a:p>
         </p:txBody>
       </p:sp>
@@ -425,38 +422,37 @@
           <a:p>
             <a:pPr lvl="0"/>
             <a:r>
-              <a:rPr lang="zh-TW" altLang="en-US" smtClean="0"/>
+              <a:rPr lang="zh-TW" altLang="en-US"/>
               <a:t>按一下以編輯母片文字樣式</a:t>
             </a:r>
           </a:p>
           <a:p>
             <a:pPr lvl="1"/>
             <a:r>
-              <a:rPr lang="zh-TW" altLang="en-US" smtClean="0"/>
+              <a:rPr lang="zh-TW" altLang="en-US"/>
               <a:t>第二層</a:t>
             </a:r>
           </a:p>
           <a:p>
             <a:pPr lvl="2"/>
             <a:r>
-              <a:rPr lang="zh-TW" altLang="en-US" smtClean="0"/>
+              <a:rPr lang="zh-TW" altLang="en-US"/>
               <a:t>第三層</a:t>
             </a:r>
           </a:p>
           <a:p>
             <a:pPr lvl="3"/>
             <a:r>
-              <a:rPr lang="zh-TW" altLang="en-US" smtClean="0"/>
+              <a:rPr lang="zh-TW" altLang="en-US"/>
               <a:t>第四層</a:t>
             </a:r>
           </a:p>
           <a:p>
             <a:pPr lvl="4"/>
             <a:r>
-              <a:rPr lang="zh-TW" altLang="en-US" smtClean="0"/>
+              <a:rPr lang="zh-TW" altLang="en-US"/>
               <a:t>第五層</a:t>
             </a:r>
-            <a:endParaRPr lang="zh-TW" altLang="en-US"/>
           </a:p>
         </p:txBody>
       </p:sp>
@@ -477,7 +473,7 @@
           <a:p>
             <a:fld id="{DBB631E9-9F00-4D46-8FD6-D0B94D862A5F}" type="datetimeFigureOut">
               <a:rPr lang="zh-TW" altLang="en-US" smtClean="0"/>
-              <a:t>2022/3/29</a:t>
+              <a:t>2023/12/5</a:t>
             </a:fld>
             <a:endParaRPr lang="zh-TW" altLang="en-US"/>
           </a:p>
@@ -571,10 +567,9 @@
           <a:lstStyle/>
           <a:p>
             <a:r>
-              <a:rPr lang="zh-TW" altLang="en-US" smtClean="0"/>
+              <a:rPr lang="zh-TW" altLang="en-US"/>
               <a:t>按一下以編輯母片標題樣式</a:t>
             </a:r>
-            <a:endParaRPr lang="zh-TW" altLang="en-US"/>
           </a:p>
         </p:txBody>
       </p:sp>
@@ -600,38 +595,37 @@
           <a:p>
             <a:pPr lvl="0"/>
             <a:r>
-              <a:rPr lang="zh-TW" altLang="en-US" smtClean="0"/>
+              <a:rPr lang="zh-TW" altLang="en-US"/>
               <a:t>按一下以編輯母片文字樣式</a:t>
             </a:r>
           </a:p>
           <a:p>
             <a:pPr lvl="1"/>
             <a:r>
-              <a:rPr lang="zh-TW" altLang="en-US" smtClean="0"/>
+              <a:rPr lang="zh-TW" altLang="en-US"/>
               <a:t>第二層</a:t>
             </a:r>
           </a:p>
           <a:p>
             <a:pPr lvl="2"/>
             <a:r>
-              <a:rPr lang="zh-TW" altLang="en-US" smtClean="0"/>
+              <a:rPr lang="zh-TW" altLang="en-US"/>
               <a:t>第三層</a:t>
             </a:r>
           </a:p>
           <a:p>
             <a:pPr lvl="3"/>
             <a:r>
-              <a:rPr lang="zh-TW" altLang="en-US" smtClean="0"/>
+              <a:rPr lang="zh-TW" altLang="en-US"/>
               <a:t>第四層</a:t>
             </a:r>
           </a:p>
           <a:p>
             <a:pPr lvl="4"/>
             <a:r>
-              <a:rPr lang="zh-TW" altLang="en-US" smtClean="0"/>
+              <a:rPr lang="zh-TW" altLang="en-US"/>
               <a:t>第五層</a:t>
             </a:r>
-            <a:endParaRPr lang="zh-TW" altLang="en-US"/>
           </a:p>
         </p:txBody>
       </p:sp>
@@ -652,7 +646,7 @@
           <a:p>
             <a:fld id="{DBB631E9-9F00-4D46-8FD6-D0B94D862A5F}" type="datetimeFigureOut">
               <a:rPr lang="zh-TW" altLang="en-US" smtClean="0"/>
-              <a:t>2022/3/29</a:t>
+              <a:t>2023/12/5</a:t>
             </a:fld>
             <a:endParaRPr lang="zh-TW" altLang="en-US"/>
           </a:p>
@@ -741,10 +735,9 @@
           <a:lstStyle/>
           <a:p>
             <a:r>
-              <a:rPr lang="zh-TW" altLang="en-US" smtClean="0"/>
+              <a:rPr lang="zh-TW" altLang="en-US"/>
               <a:t>按一下以編輯母片標題樣式</a:t>
             </a:r>
-            <a:endParaRPr lang="zh-TW" altLang="en-US"/>
           </a:p>
         </p:txBody>
       </p:sp>
@@ -765,38 +758,37 @@
           <a:p>
             <a:pPr lvl="0"/>
             <a:r>
-              <a:rPr lang="zh-TW" altLang="en-US" smtClean="0"/>
+              <a:rPr lang="zh-TW" altLang="en-US"/>
               <a:t>按一下以編輯母片文字樣式</a:t>
             </a:r>
           </a:p>
           <a:p>
             <a:pPr lvl="1"/>
             <a:r>
-              <a:rPr lang="zh-TW" altLang="en-US" smtClean="0"/>
+              <a:rPr lang="zh-TW" altLang="en-US"/>
               <a:t>第二層</a:t>
             </a:r>
           </a:p>
           <a:p>
             <a:pPr lvl="2"/>
             <a:r>
-              <a:rPr lang="zh-TW" altLang="en-US" smtClean="0"/>
+              <a:rPr lang="zh-TW" altLang="en-US"/>
               <a:t>第三層</a:t>
             </a:r>
           </a:p>
           <a:p>
             <a:pPr lvl="3"/>
             <a:r>
-              <a:rPr lang="zh-TW" altLang="en-US" smtClean="0"/>
+              <a:rPr lang="zh-TW" altLang="en-US"/>
               <a:t>第四層</a:t>
             </a:r>
           </a:p>
           <a:p>
             <a:pPr lvl="4"/>
             <a:r>
-              <a:rPr lang="zh-TW" altLang="en-US" smtClean="0"/>
+              <a:rPr lang="zh-TW" altLang="en-US"/>
               <a:t>第五層</a:t>
             </a:r>
-            <a:endParaRPr lang="zh-TW" altLang="en-US"/>
           </a:p>
         </p:txBody>
       </p:sp>
@@ -817,7 +809,7 @@
           <a:p>
             <a:fld id="{DBB631E9-9F00-4D46-8FD6-D0B94D862A5F}" type="datetimeFigureOut">
               <a:rPr lang="zh-TW" altLang="en-US" smtClean="0"/>
-              <a:t>2022/3/29</a:t>
+              <a:t>2023/12/5</a:t>
             </a:fld>
             <a:endParaRPr lang="zh-TW" altLang="en-US"/>
           </a:p>
@@ -915,10 +907,9 @@
           </a:lstStyle>
           <a:p>
             <a:r>
-              <a:rPr lang="zh-TW" altLang="en-US" smtClean="0"/>
+              <a:rPr lang="zh-TW" altLang="en-US"/>
               <a:t>按一下以編輯母片標題樣式</a:t>
             </a:r>
-            <a:endParaRPr lang="zh-TW" altLang="en-US"/>
           </a:p>
         </p:txBody>
       </p:sp>
@@ -1035,7 +1026,7 @@
           <a:p>
             <a:pPr lvl="0"/>
             <a:r>
-              <a:rPr lang="zh-TW" altLang="en-US" smtClean="0"/>
+              <a:rPr lang="zh-TW" altLang="en-US"/>
               <a:t>按一下以編輯母片文字樣式</a:t>
             </a:r>
           </a:p>
@@ -1058,7 +1049,7 @@
           <a:p>
             <a:fld id="{DBB631E9-9F00-4D46-8FD6-D0B94D862A5F}" type="datetimeFigureOut">
               <a:rPr lang="zh-TW" altLang="en-US" smtClean="0"/>
-              <a:t>2022/3/29</a:t>
+              <a:t>2023/12/5</a:t>
             </a:fld>
             <a:endParaRPr lang="zh-TW" altLang="en-US"/>
           </a:p>
@@ -1147,10 +1138,9 @@
           <a:lstStyle/>
           <a:p>
             <a:r>
-              <a:rPr lang="zh-TW" altLang="en-US" smtClean="0"/>
+              <a:rPr lang="zh-TW" altLang="en-US"/>
               <a:t>按一下以編輯母片標題樣式</a:t>
             </a:r>
-            <a:endParaRPr lang="zh-TW" altLang="en-US"/>
           </a:p>
         </p:txBody>
       </p:sp>
@@ -1204,38 +1194,37 @@
           <a:p>
             <a:pPr lvl="0"/>
             <a:r>
-              <a:rPr lang="zh-TW" altLang="en-US" smtClean="0"/>
+              <a:rPr lang="zh-TW" altLang="en-US"/>
               <a:t>按一下以編輯母片文字樣式</a:t>
             </a:r>
           </a:p>
           <a:p>
             <a:pPr lvl="1"/>
             <a:r>
-              <a:rPr lang="zh-TW" altLang="en-US" smtClean="0"/>
+              <a:rPr lang="zh-TW" altLang="en-US"/>
               <a:t>第二層</a:t>
             </a:r>
           </a:p>
           <a:p>
             <a:pPr lvl="2"/>
             <a:r>
-              <a:rPr lang="zh-TW" altLang="en-US" smtClean="0"/>
+              <a:rPr lang="zh-TW" altLang="en-US"/>
               <a:t>第三層</a:t>
             </a:r>
           </a:p>
           <a:p>
             <a:pPr lvl="3"/>
             <a:r>
-              <a:rPr lang="zh-TW" altLang="en-US" smtClean="0"/>
+              <a:rPr lang="zh-TW" altLang="en-US"/>
               <a:t>第四層</a:t>
             </a:r>
           </a:p>
           <a:p>
             <a:pPr lvl="4"/>
             <a:r>
-              <a:rPr lang="zh-TW" altLang="en-US" smtClean="0"/>
+              <a:rPr lang="zh-TW" altLang="en-US"/>
               <a:t>第五層</a:t>
             </a:r>
-            <a:endParaRPr lang="zh-TW" altLang="en-US"/>
           </a:p>
         </p:txBody>
       </p:sp>
@@ -1289,38 +1278,37 @@
           <a:p>
             <a:pPr lvl="0"/>
             <a:r>
-              <a:rPr lang="zh-TW" altLang="en-US" smtClean="0"/>
+              <a:rPr lang="zh-TW" altLang="en-US"/>
               <a:t>按一下以編輯母片文字樣式</a:t>
             </a:r>
           </a:p>
           <a:p>
             <a:pPr lvl="1"/>
             <a:r>
-              <a:rPr lang="zh-TW" altLang="en-US" smtClean="0"/>
+              <a:rPr lang="zh-TW" altLang="en-US"/>
               <a:t>第二層</a:t>
             </a:r>
           </a:p>
           <a:p>
             <a:pPr lvl="2"/>
             <a:r>
-              <a:rPr lang="zh-TW" altLang="en-US" smtClean="0"/>
+              <a:rPr lang="zh-TW" altLang="en-US"/>
               <a:t>第三層</a:t>
             </a:r>
           </a:p>
           <a:p>
             <a:pPr lvl="3"/>
             <a:r>
-              <a:rPr lang="zh-TW" altLang="en-US" smtClean="0"/>
+              <a:rPr lang="zh-TW" altLang="en-US"/>
               <a:t>第四層</a:t>
             </a:r>
           </a:p>
           <a:p>
             <a:pPr lvl="4"/>
             <a:r>
-              <a:rPr lang="zh-TW" altLang="en-US" smtClean="0"/>
+              <a:rPr lang="zh-TW" altLang="en-US"/>
               <a:t>第五層</a:t>
             </a:r>
-            <a:endParaRPr lang="zh-TW" altLang="en-US"/>
           </a:p>
         </p:txBody>
       </p:sp>
@@ -1341,7 +1329,7 @@
           <a:p>
             <a:fld id="{DBB631E9-9F00-4D46-8FD6-D0B94D862A5F}" type="datetimeFigureOut">
               <a:rPr lang="zh-TW" altLang="en-US" smtClean="0"/>
-              <a:t>2022/3/29</a:t>
+              <a:t>2023/12/5</a:t>
             </a:fld>
             <a:endParaRPr lang="zh-TW" altLang="en-US"/>
           </a:p>
@@ -1434,10 +1422,9 @@
           </a:lstStyle>
           <a:p>
             <a:r>
-              <a:rPr lang="zh-TW" altLang="en-US" smtClean="0"/>
+              <a:rPr lang="zh-TW" altLang="en-US"/>
               <a:t>按一下以編輯母片標題樣式</a:t>
             </a:r>
-            <a:endParaRPr lang="zh-TW" altLang="en-US"/>
           </a:p>
         </p:txBody>
       </p:sp>
@@ -1500,7 +1487,7 @@
           <a:p>
             <a:pPr lvl="0"/>
             <a:r>
-              <a:rPr lang="zh-TW" altLang="en-US" smtClean="0"/>
+              <a:rPr lang="zh-TW" altLang="en-US"/>
               <a:t>按一下以編輯母片文字樣式</a:t>
             </a:r>
           </a:p>
@@ -1556,38 +1543,37 @@
           <a:p>
             <a:pPr lvl="0"/>
             <a:r>
-              <a:rPr lang="zh-TW" altLang="en-US" smtClean="0"/>
+              <a:rPr lang="zh-TW" altLang="en-US"/>
               <a:t>按一下以編輯母片文字樣式</a:t>
             </a:r>
           </a:p>
           <a:p>
             <a:pPr lvl="1"/>
             <a:r>
-              <a:rPr lang="zh-TW" altLang="en-US" smtClean="0"/>
+              <a:rPr lang="zh-TW" altLang="en-US"/>
               <a:t>第二層</a:t>
             </a:r>
           </a:p>
           <a:p>
             <a:pPr lvl="2"/>
             <a:r>
-              <a:rPr lang="zh-TW" altLang="en-US" smtClean="0"/>
+              <a:rPr lang="zh-TW" altLang="en-US"/>
               <a:t>第三層</a:t>
             </a:r>
           </a:p>
           <a:p>
             <a:pPr lvl="3"/>
             <a:r>
-              <a:rPr lang="zh-TW" altLang="en-US" smtClean="0"/>
+              <a:rPr lang="zh-TW" altLang="en-US"/>
               <a:t>第四層</a:t>
             </a:r>
           </a:p>
           <a:p>
             <a:pPr lvl="4"/>
             <a:r>
-              <a:rPr lang="zh-TW" altLang="en-US" smtClean="0"/>
+              <a:rPr lang="zh-TW" altLang="en-US"/>
               <a:t>第五層</a:t>
             </a:r>
-            <a:endParaRPr lang="zh-TW" altLang="en-US"/>
           </a:p>
         </p:txBody>
       </p:sp>
@@ -1650,7 +1636,7 @@
           <a:p>
             <a:pPr lvl="0"/>
             <a:r>
-              <a:rPr lang="zh-TW" altLang="en-US" smtClean="0"/>
+              <a:rPr lang="zh-TW" altLang="en-US"/>
               <a:t>按一下以編輯母片文字樣式</a:t>
             </a:r>
           </a:p>
@@ -1706,38 +1692,37 @@
           <a:p>
             <a:pPr lvl="0"/>
             <a:r>
-              <a:rPr lang="zh-TW" altLang="en-US" smtClean="0"/>
+              <a:rPr lang="zh-TW" altLang="en-US"/>
               <a:t>按一下以編輯母片文字樣式</a:t>
             </a:r>
           </a:p>
           <a:p>
             <a:pPr lvl="1"/>
             <a:r>
-              <a:rPr lang="zh-TW" altLang="en-US" smtClean="0"/>
+              <a:rPr lang="zh-TW" altLang="en-US"/>
               <a:t>第二層</a:t>
             </a:r>
           </a:p>
           <a:p>
             <a:pPr lvl="2"/>
             <a:r>
-              <a:rPr lang="zh-TW" altLang="en-US" smtClean="0"/>
+              <a:rPr lang="zh-TW" altLang="en-US"/>
               <a:t>第三層</a:t>
             </a:r>
           </a:p>
           <a:p>
             <a:pPr lvl="3"/>
             <a:r>
-              <a:rPr lang="zh-TW" altLang="en-US" smtClean="0"/>
+              <a:rPr lang="zh-TW" altLang="en-US"/>
               <a:t>第四層</a:t>
             </a:r>
           </a:p>
           <a:p>
             <a:pPr lvl="4"/>
             <a:r>
-              <a:rPr lang="zh-TW" altLang="en-US" smtClean="0"/>
+              <a:rPr lang="zh-TW" altLang="en-US"/>
               <a:t>第五層</a:t>
             </a:r>
-            <a:endParaRPr lang="zh-TW" altLang="en-US"/>
           </a:p>
         </p:txBody>
       </p:sp>
@@ -1758,7 +1743,7 @@
           <a:p>
             <a:fld id="{DBB631E9-9F00-4D46-8FD6-D0B94D862A5F}" type="datetimeFigureOut">
               <a:rPr lang="zh-TW" altLang="en-US" smtClean="0"/>
-              <a:t>2022/3/29</a:t>
+              <a:t>2023/12/5</a:t>
             </a:fld>
             <a:endParaRPr lang="zh-TW" altLang="en-US"/>
           </a:p>
@@ -1847,10 +1832,9 @@
           <a:lstStyle/>
           <a:p>
             <a:r>
-              <a:rPr lang="zh-TW" altLang="en-US" smtClean="0"/>
+              <a:rPr lang="zh-TW" altLang="en-US"/>
               <a:t>按一下以編輯母片標題樣式</a:t>
             </a:r>
-            <a:endParaRPr lang="zh-TW" altLang="en-US"/>
           </a:p>
         </p:txBody>
       </p:sp>
@@ -1871,7 +1855,7 @@
           <a:p>
             <a:fld id="{DBB631E9-9F00-4D46-8FD6-D0B94D862A5F}" type="datetimeFigureOut">
               <a:rPr lang="zh-TW" altLang="en-US" smtClean="0"/>
-              <a:t>2022/3/29</a:t>
+              <a:t>2023/12/5</a:t>
             </a:fld>
             <a:endParaRPr lang="zh-TW" altLang="en-US"/>
           </a:p>
@@ -1961,7 +1945,7 @@
           <a:p>
             <a:fld id="{DBB631E9-9F00-4D46-8FD6-D0B94D862A5F}" type="datetimeFigureOut">
               <a:rPr lang="zh-TW" altLang="en-US" smtClean="0"/>
-              <a:t>2022/3/29</a:t>
+              <a:t>2023/12/5</a:t>
             </a:fld>
             <a:endParaRPr lang="zh-TW" altLang="en-US"/>
           </a:p>
@@ -2059,10 +2043,9 @@
           </a:lstStyle>
           <a:p>
             <a:r>
-              <a:rPr lang="zh-TW" altLang="en-US" smtClean="0"/>
+              <a:rPr lang="zh-TW" altLang="en-US"/>
               <a:t>按一下以編輯母片標題樣式</a:t>
             </a:r>
-            <a:endParaRPr lang="zh-TW" altLang="en-US"/>
           </a:p>
         </p:txBody>
       </p:sp>
@@ -2116,38 +2099,37 @@
           <a:p>
             <a:pPr lvl="0"/>
             <a:r>
-              <a:rPr lang="zh-TW" altLang="en-US" smtClean="0"/>
+              <a:rPr lang="zh-TW" altLang="en-US"/>
               <a:t>按一下以編輯母片文字樣式</a:t>
             </a:r>
           </a:p>
           <a:p>
             <a:pPr lvl="1"/>
             <a:r>
-              <a:rPr lang="zh-TW" altLang="en-US" smtClean="0"/>
+              <a:rPr lang="zh-TW" altLang="en-US"/>
               <a:t>第二層</a:t>
             </a:r>
           </a:p>
           <a:p>
             <a:pPr lvl="2"/>
             <a:r>
-              <a:rPr lang="zh-TW" altLang="en-US" smtClean="0"/>
+              <a:rPr lang="zh-TW" altLang="en-US"/>
               <a:t>第三層</a:t>
             </a:r>
           </a:p>
           <a:p>
             <a:pPr lvl="3"/>
             <a:r>
-              <a:rPr lang="zh-TW" altLang="en-US" smtClean="0"/>
+              <a:rPr lang="zh-TW" altLang="en-US"/>
               <a:t>第四層</a:t>
             </a:r>
           </a:p>
           <a:p>
             <a:pPr lvl="4"/>
             <a:r>
-              <a:rPr lang="zh-TW" altLang="en-US" smtClean="0"/>
+              <a:rPr lang="zh-TW" altLang="en-US"/>
               <a:t>第五層</a:t>
             </a:r>
-            <a:endParaRPr lang="zh-TW" altLang="en-US"/>
           </a:p>
         </p:txBody>
       </p:sp>
@@ -2210,7 +2192,7 @@
           <a:p>
             <a:pPr lvl="0"/>
             <a:r>
-              <a:rPr lang="zh-TW" altLang="en-US" smtClean="0"/>
+              <a:rPr lang="zh-TW" altLang="en-US"/>
               <a:t>按一下以編輯母片文字樣式</a:t>
             </a:r>
           </a:p>
@@ -2233,7 +2215,7 @@
           <a:p>
             <a:fld id="{DBB631E9-9F00-4D46-8FD6-D0B94D862A5F}" type="datetimeFigureOut">
               <a:rPr lang="zh-TW" altLang="en-US" smtClean="0"/>
-              <a:t>2022/3/29</a:t>
+              <a:t>2023/12/5</a:t>
             </a:fld>
             <a:endParaRPr lang="zh-TW" altLang="en-US"/>
           </a:p>
@@ -2331,10 +2313,9 @@
           </a:lstStyle>
           <a:p>
             <a:r>
-              <a:rPr lang="zh-TW" altLang="en-US" smtClean="0"/>
+              <a:rPr lang="zh-TW" altLang="en-US"/>
               <a:t>按一下以編輯母片標題樣式</a:t>
             </a:r>
-            <a:endParaRPr lang="zh-TW" altLang="en-US"/>
           </a:p>
         </p:txBody>
       </p:sp>
@@ -2396,10 +2377,9 @@
           </a:lstStyle>
           <a:p>
             <a:r>
-              <a:rPr lang="zh-TW" altLang="en-US" smtClean="0"/>
+              <a:rPr lang="zh-TW" altLang="en-US"/>
               <a:t>按一下圖示以新增圖片</a:t>
             </a:r>
-            <a:endParaRPr lang="zh-TW" altLang="en-US"/>
           </a:p>
         </p:txBody>
       </p:sp>
@@ -2462,7 +2442,7 @@
           <a:p>
             <a:pPr lvl="0"/>
             <a:r>
-              <a:rPr lang="zh-TW" altLang="en-US" smtClean="0"/>
+              <a:rPr lang="zh-TW" altLang="en-US"/>
               <a:t>按一下以編輯母片文字樣式</a:t>
             </a:r>
           </a:p>
@@ -2485,7 +2465,7 @@
           <a:p>
             <a:fld id="{DBB631E9-9F00-4D46-8FD6-D0B94D862A5F}" type="datetimeFigureOut">
               <a:rPr lang="zh-TW" altLang="en-US" smtClean="0"/>
-              <a:t>2022/3/29</a:t>
+              <a:t>2023/12/5</a:t>
             </a:fld>
             <a:endParaRPr lang="zh-TW" altLang="en-US"/>
           </a:p>
@@ -2594,10 +2574,9 @@
           <a:lstStyle/>
           <a:p>
             <a:r>
-              <a:rPr lang="zh-TW" altLang="en-US" smtClean="0"/>
+              <a:rPr lang="zh-TW" altLang="en-US"/>
               <a:t>按一下以編輯母片標題樣式</a:t>
             </a:r>
-            <a:endParaRPr lang="zh-TW" altLang="en-US"/>
           </a:p>
         </p:txBody>
       </p:sp>
@@ -2628,38 +2607,37 @@
           <a:p>
             <a:pPr lvl="0"/>
             <a:r>
-              <a:rPr lang="zh-TW" altLang="en-US" smtClean="0"/>
+              <a:rPr lang="zh-TW" altLang="en-US"/>
               <a:t>按一下以編輯母片文字樣式</a:t>
             </a:r>
           </a:p>
           <a:p>
             <a:pPr lvl="1"/>
             <a:r>
-              <a:rPr lang="zh-TW" altLang="en-US" smtClean="0"/>
+              <a:rPr lang="zh-TW" altLang="en-US"/>
               <a:t>第二層</a:t>
             </a:r>
           </a:p>
           <a:p>
             <a:pPr lvl="2"/>
             <a:r>
-              <a:rPr lang="zh-TW" altLang="en-US" smtClean="0"/>
+              <a:rPr lang="zh-TW" altLang="en-US"/>
               <a:t>第三層</a:t>
             </a:r>
           </a:p>
           <a:p>
             <a:pPr lvl="3"/>
             <a:r>
-              <a:rPr lang="zh-TW" altLang="en-US" smtClean="0"/>
+              <a:rPr lang="zh-TW" altLang="en-US"/>
               <a:t>第四層</a:t>
             </a:r>
           </a:p>
           <a:p>
             <a:pPr lvl="4"/>
             <a:r>
-              <a:rPr lang="zh-TW" altLang="en-US" smtClean="0"/>
+              <a:rPr lang="zh-TW" altLang="en-US"/>
               <a:t>第五層</a:t>
             </a:r>
-            <a:endParaRPr lang="zh-TW" altLang="en-US"/>
           </a:p>
         </p:txBody>
       </p:sp>
@@ -2698,7 +2676,7 @@
           <a:p>
             <a:fld id="{DBB631E9-9F00-4D46-8FD6-D0B94D862A5F}" type="datetimeFigureOut">
               <a:rPr lang="zh-TW" altLang="en-US" smtClean="0"/>
-              <a:t>2022/3/29</a:t>
+              <a:t>2023/12/5</a:t>
             </a:fld>
             <a:endParaRPr lang="zh-TW" altLang="en-US"/>
           </a:p>
@@ -3105,24 +3083,7 @@
                 <a:latin typeface="微軟正黑體" pitchFamily="34" charset="-120"/>
                 <a:ea typeface="微軟正黑體" pitchFamily="34" charset="-120"/>
               </a:rPr>
-              <a:t>耶</a:t>
-            </a:r>
-            <a:r>
-              <a:rPr lang="zh-CN" altLang="en-US" sz="5400" b="1" i="1" dirty="0">
-                <a:solidFill>
-                  <a:srgbClr val="000066"/>
-                </a:solidFill>
-                <a:effectLst>
-                  <a:outerShdw blurRad="38100" dist="38100" dir="2700000" algn="tl">
-                    <a:srgbClr val="000000">
-                      <a:alpha val="43137"/>
-                    </a:srgbClr>
-                  </a:outerShdw>
-                </a:effectLst>
-                <a:latin typeface="微軟正黑體" pitchFamily="34" charset="-120"/>
-                <a:ea typeface="微軟正黑體" pitchFamily="34" charset="-120"/>
-              </a:rPr>
-              <a:t>穌在我裡面</a:t>
+              <a:t>耶穌在我裡面</a:t>
             </a:r>
             <a:endParaRPr lang="zh-TW" altLang="en-US" sz="5400" b="1" i="1" dirty="0">
               <a:solidFill>
@@ -3247,7 +3208,7 @@
         <p:spPr>
           <a:xfrm>
             <a:off x="0" y="3867895"/>
-            <a:ext cx="9144000" cy="584775"/>
+            <a:ext cx="9144000" cy="461665"/>
           </a:xfrm>
           <a:prstGeom prst="rect">
             <a:avLst/>
@@ -3262,7 +3223,7 @@
           <a:p>
             <a:pPr algn="ctr"/>
             <a:r>
-              <a:rPr lang="en-US" sz="3200" b="1" dirty="0">
+              <a:rPr lang="en-US" sz="2400" b="1" dirty="0">
                 <a:solidFill>
                   <a:srgbClr val="000066"/>
                 </a:solidFill>
@@ -3272,17 +3233,17 @@
               <a:t>( </a:t>
             </a:r>
             <a:r>
-              <a:rPr lang="zh-CN" altLang="en-US" sz="3200" b="1" dirty="0">
+              <a:rPr lang="zh-CN" altLang="en-US" sz="2400" b="1" dirty="0">
                 <a:solidFill>
                   <a:srgbClr val="000066"/>
                 </a:solidFill>
                 <a:latin typeface="Microsoft JhengHei" panose="020B0604030504040204" pitchFamily="34" charset="-120"/>
                 <a:ea typeface="Microsoft JhengHei" panose="020B0604030504040204" pitchFamily="34" charset="-120"/>
               </a:rPr>
-              <a:t>正</a:t>
-            </a:r>
-            <a:r>
-              <a:rPr lang="en-US" sz="3200" b="1" dirty="0">
+              <a:t>正歌</a:t>
+            </a:r>
+            <a:r>
+              <a:rPr lang="en-US" sz="2400" b="1" dirty="0">
                 <a:solidFill>
                   <a:srgbClr val="000066"/>
                 </a:solidFill>
@@ -3291,7 +3252,7 @@
               </a:rPr>
               <a:t> )</a:t>
             </a:r>
-            <a:endParaRPr lang="vi-VN" sz="3200" b="1" dirty="0">
+            <a:endParaRPr lang="vi-VN" sz="2400" b="1" dirty="0">
               <a:solidFill>
                 <a:srgbClr val="000066"/>
               </a:solidFill>
@@ -3387,13 +3348,6 @@
               </a:rPr>
               <a:t>就是有耶穌住在我裡面</a:t>
             </a:r>
-            <a:endParaRPr lang="zh-TW" altLang="en-US" sz="4800" b="1" dirty="0">
-              <a:solidFill>
-                <a:srgbClr val="000066"/>
-              </a:solidFill>
-              <a:latin typeface="微軟正黑體" pitchFamily="34" charset="-120"/>
-              <a:ea typeface="微軟正黑體" pitchFamily="34" charset="-120"/>
-            </a:endParaRPr>
           </a:p>
         </p:txBody>
       </p:sp>
@@ -3406,7 +3360,7 @@
         <p:spPr>
           <a:xfrm>
             <a:off x="0" y="3867895"/>
-            <a:ext cx="9144000" cy="584775"/>
+            <a:ext cx="9144000" cy="461665"/>
           </a:xfrm>
           <a:prstGeom prst="rect">
             <a:avLst/>
@@ -3421,7 +3375,7 @@
           <a:p>
             <a:pPr algn="ctr"/>
             <a:r>
-              <a:rPr lang="en-US" sz="3200" b="1" dirty="0">
+              <a:rPr lang="en-US" sz="2400" b="1" dirty="0">
                 <a:solidFill>
                   <a:srgbClr val="000066"/>
                 </a:solidFill>
@@ -3431,17 +3385,17 @@
               <a:t>( </a:t>
             </a:r>
             <a:r>
-              <a:rPr lang="zh-CN" altLang="en-US" sz="3200" b="1" dirty="0">
+              <a:rPr lang="zh-CN" altLang="en-US" sz="2400" b="1" dirty="0">
                 <a:solidFill>
                   <a:srgbClr val="000066"/>
                 </a:solidFill>
                 <a:latin typeface="Microsoft JhengHei" panose="020B0604030504040204" pitchFamily="34" charset="-120"/>
                 <a:ea typeface="Microsoft JhengHei" panose="020B0604030504040204" pitchFamily="34" charset="-120"/>
               </a:rPr>
-              <a:t>正</a:t>
-            </a:r>
-            <a:r>
-              <a:rPr lang="en-US" sz="3200" b="1" dirty="0">
+              <a:t>正歌</a:t>
+            </a:r>
+            <a:r>
+              <a:rPr lang="en-US" sz="2400" b="1" dirty="0">
                 <a:solidFill>
                   <a:srgbClr val="000066"/>
                 </a:solidFill>
@@ -3450,7 +3404,7 @@
               </a:rPr>
               <a:t> )</a:t>
             </a:r>
-            <a:endParaRPr lang="vi-VN" sz="3200" b="1" dirty="0">
+            <a:endParaRPr lang="vi-VN" sz="2400" b="1" dirty="0">
               <a:solidFill>
                 <a:srgbClr val="000066"/>
               </a:solidFill>
@@ -3565,7 +3519,7 @@
         <p:spPr>
           <a:xfrm>
             <a:off x="0" y="3867895"/>
-            <a:ext cx="9144000" cy="584775"/>
+            <a:ext cx="9144000" cy="461665"/>
           </a:xfrm>
           <a:prstGeom prst="rect">
             <a:avLst/>
@@ -3580,7 +3534,7 @@
           <a:p>
             <a:pPr algn="ctr"/>
             <a:r>
-              <a:rPr lang="en-US" sz="3200" b="1" dirty="0">
+              <a:rPr lang="en-US" sz="2400" b="1" dirty="0">
                 <a:solidFill>
                   <a:srgbClr val="000066"/>
                 </a:solidFill>
@@ -3590,17 +3544,17 @@
               <a:t>( </a:t>
             </a:r>
             <a:r>
-              <a:rPr lang="zh-CN" altLang="en-US" sz="3200" b="1" dirty="0">
+              <a:rPr lang="zh-CN" altLang="en-US" sz="2400" b="1" dirty="0">
                 <a:solidFill>
                   <a:srgbClr val="000066"/>
                 </a:solidFill>
                 <a:latin typeface="Microsoft JhengHei" panose="020B0604030504040204" pitchFamily="34" charset="-120"/>
                 <a:ea typeface="Microsoft JhengHei" panose="020B0604030504040204" pitchFamily="34" charset="-120"/>
               </a:rPr>
-              <a:t>正</a:t>
-            </a:r>
-            <a:r>
-              <a:rPr lang="en-US" sz="3200" b="1" dirty="0">
+              <a:t>正歌</a:t>
+            </a:r>
+            <a:r>
+              <a:rPr lang="en-US" sz="2400" b="1" dirty="0">
                 <a:solidFill>
                   <a:srgbClr val="000066"/>
                 </a:solidFill>
@@ -3609,7 +3563,7 @@
               </a:rPr>
               <a:t> )</a:t>
             </a:r>
-            <a:endParaRPr lang="vi-VN" sz="3200" b="1" dirty="0">
+            <a:endParaRPr lang="vi-VN" sz="2400" b="1" dirty="0">
               <a:solidFill>
                 <a:srgbClr val="000066"/>
               </a:solidFill>
@@ -3717,7 +3671,7 @@
         <p:spPr>
           <a:xfrm>
             <a:off x="0" y="3867895"/>
-            <a:ext cx="9144000" cy="584775"/>
+            <a:ext cx="9144000" cy="461665"/>
           </a:xfrm>
           <a:prstGeom prst="rect">
             <a:avLst/>
@@ -3732,7 +3686,7 @@
           <a:p>
             <a:pPr algn="ctr"/>
             <a:r>
-              <a:rPr lang="en-US" sz="3200" b="1" dirty="0">
+              <a:rPr lang="en-US" sz="2400" b="1" dirty="0">
                 <a:solidFill>
                   <a:srgbClr val="000066"/>
                 </a:solidFill>
@@ -3742,26 +3696,26 @@
               <a:t>( </a:t>
             </a:r>
             <a:r>
-              <a:rPr lang="zh-CN" altLang="en-US" sz="3200" b="1" dirty="0">
+              <a:rPr lang="zh-CN" altLang="en-US" sz="2400" b="1" dirty="0">
                 <a:solidFill>
                   <a:srgbClr val="000066"/>
                 </a:solidFill>
                 <a:latin typeface="Microsoft JhengHei" panose="020B0604030504040204" pitchFamily="34" charset="-120"/>
                 <a:ea typeface="Microsoft JhengHei" panose="020B0604030504040204" pitchFamily="34" charset="-120"/>
               </a:rPr>
-              <a:t>正</a:t>
-            </a:r>
-            <a:r>
-              <a:rPr lang="en-US" sz="3200" b="1" dirty="0">
+              <a:t>正歌 </a:t>
+            </a:r>
+            <a:r>
+              <a:rPr lang="en-US" sz="2400" b="1" dirty="0">
                 <a:solidFill>
                   <a:srgbClr val="000066"/>
                 </a:solidFill>
                 <a:latin typeface="Microsoft JhengHei" panose="020B0604030504040204" pitchFamily="34" charset="-120"/>
                 <a:ea typeface="Microsoft JhengHei" panose="020B0604030504040204" pitchFamily="34" charset="-120"/>
               </a:rPr>
-              <a:t> )</a:t>
-            </a:r>
-            <a:endParaRPr lang="vi-VN" sz="3200" b="1" dirty="0">
+              <a:t>)</a:t>
+            </a:r>
+            <a:endParaRPr lang="vi-VN" sz="2400" b="1" dirty="0">
               <a:solidFill>
                 <a:srgbClr val="000066"/>
               </a:solidFill>
@@ -3876,7 +3830,7 @@
         <p:spPr>
           <a:xfrm>
             <a:off x="0" y="3867895"/>
-            <a:ext cx="9144000" cy="584775"/>
+            <a:ext cx="9144000" cy="461665"/>
           </a:xfrm>
           <a:prstGeom prst="rect">
             <a:avLst/>
@@ -3891,7 +3845,7 @@
           <a:p>
             <a:pPr algn="ctr"/>
             <a:r>
-              <a:rPr lang="en-US" sz="3200" b="1" dirty="0">
+              <a:rPr lang="en-US" sz="2400" b="1" dirty="0">
                 <a:solidFill>
                   <a:srgbClr val="000066"/>
                 </a:solidFill>
@@ -3901,26 +3855,26 @@
               <a:t>( </a:t>
             </a:r>
             <a:r>
-              <a:rPr lang="zh-CN" altLang="en-US" sz="3200" b="1" dirty="0">
+              <a:rPr lang="zh-CN" altLang="en-US" sz="2400" b="1" dirty="0">
                 <a:solidFill>
                   <a:srgbClr val="000066"/>
                 </a:solidFill>
                 <a:latin typeface="Microsoft JhengHei" panose="020B0604030504040204" pitchFamily="34" charset="-120"/>
                 <a:ea typeface="Microsoft JhengHei" panose="020B0604030504040204" pitchFamily="34" charset="-120"/>
               </a:rPr>
-              <a:t>副</a:t>
-            </a:r>
-            <a:r>
-              <a:rPr lang="en-US" sz="3200" b="1" dirty="0">
+              <a:t>副歌 </a:t>
+            </a:r>
+            <a:r>
+              <a:rPr lang="en-US" sz="2400" b="1" dirty="0">
                 <a:solidFill>
                   <a:srgbClr val="000066"/>
                 </a:solidFill>
                 <a:latin typeface="Microsoft JhengHei" panose="020B0604030504040204" pitchFamily="34" charset="-120"/>
                 <a:ea typeface="Microsoft JhengHei" panose="020B0604030504040204" pitchFamily="34" charset="-120"/>
               </a:rPr>
-              <a:t> )</a:t>
-            </a:r>
-            <a:endParaRPr lang="vi-VN" sz="3200" b="1" dirty="0">
+              <a:t>)</a:t>
+            </a:r>
+            <a:endParaRPr lang="vi-VN" sz="2400" b="1" dirty="0">
               <a:solidFill>
                 <a:srgbClr val="000066"/>
               </a:solidFill>
@@ -3992,27 +3946,7 @@
                 <a:latin typeface="微軟正黑體" pitchFamily="34" charset="-120"/>
                 <a:ea typeface="微軟正黑體" pitchFamily="34" charset="-120"/>
               </a:rPr>
-              <a:t>不論環境順逆 </a:t>
-            </a:r>
-            <a:r>
-              <a:rPr lang="zh-TW" altLang="en-US" sz="4800" b="1" dirty="0">
-                <a:solidFill>
-                  <a:srgbClr val="000066"/>
-                </a:solidFill>
-                <a:latin typeface="微軟正黑體" pitchFamily="34" charset="-120"/>
-                <a:ea typeface="微軟正黑體" pitchFamily="34" charset="-120"/>
-              </a:rPr>
-              <a:t>  我</a:t>
-            </a:r>
-            <a:r>
-              <a:rPr lang="zh-TW" altLang="en-US" sz="4800" b="1" dirty="0">
-                <a:solidFill>
-                  <a:srgbClr val="000066"/>
-                </a:solidFill>
-                <a:latin typeface="微軟正黑體" pitchFamily="34" charset="-120"/>
-                <a:ea typeface="微軟正黑體" pitchFamily="34" charset="-120"/>
-              </a:rPr>
-              <a:t>深深相信</a:t>
+              <a:t>不論環境順逆   我深深相信</a:t>
             </a:r>
             <a:endParaRPr lang="en-US" altLang="zh-TW" sz="4800" b="1" dirty="0">
               <a:solidFill>
@@ -4048,7 +3982,7 @@
         <p:spPr>
           <a:xfrm>
             <a:off x="0" y="3867895"/>
-            <a:ext cx="9144000" cy="584775"/>
+            <a:ext cx="9144000" cy="461665"/>
           </a:xfrm>
           <a:prstGeom prst="rect">
             <a:avLst/>
@@ -4063,7 +3997,7 @@
           <a:p>
             <a:pPr algn="ctr"/>
             <a:r>
-              <a:rPr lang="en-US" sz="3200" b="1" dirty="0">
+              <a:rPr lang="en-US" sz="2400" b="1" dirty="0">
                 <a:solidFill>
                   <a:srgbClr val="000066"/>
                 </a:solidFill>
@@ -4073,26 +4007,26 @@
               <a:t>( </a:t>
             </a:r>
             <a:r>
-              <a:rPr lang="zh-CN" altLang="en-US" sz="3200" b="1" dirty="0">
+              <a:rPr lang="zh-CN" altLang="en-US" sz="2400" b="1" dirty="0">
                 <a:solidFill>
                   <a:srgbClr val="000066"/>
                 </a:solidFill>
                 <a:latin typeface="Microsoft JhengHei" panose="020B0604030504040204" pitchFamily="34" charset="-120"/>
                 <a:ea typeface="Microsoft JhengHei" panose="020B0604030504040204" pitchFamily="34" charset="-120"/>
               </a:rPr>
-              <a:t>副</a:t>
-            </a:r>
-            <a:r>
-              <a:rPr lang="en-US" sz="3200" b="1" dirty="0">
+              <a:t>副歌 </a:t>
+            </a:r>
+            <a:r>
+              <a:rPr lang="en-US" sz="2400" b="1" dirty="0">
                 <a:solidFill>
                   <a:srgbClr val="000066"/>
                 </a:solidFill>
                 <a:latin typeface="Microsoft JhengHei" panose="020B0604030504040204" pitchFamily="34" charset="-120"/>
                 <a:ea typeface="Microsoft JhengHei" panose="020B0604030504040204" pitchFamily="34" charset="-120"/>
               </a:rPr>
-              <a:t> )</a:t>
-            </a:r>
-            <a:endParaRPr lang="vi-VN" sz="3200" b="1" dirty="0">
+              <a:t>)</a:t>
+            </a:r>
+            <a:endParaRPr lang="vi-VN" sz="2400" b="1" dirty="0">
               <a:solidFill>
                 <a:srgbClr val="000066"/>
               </a:solidFill>
@@ -4207,7 +4141,7 @@
         <p:spPr>
           <a:xfrm>
             <a:off x="0" y="3867895"/>
-            <a:ext cx="9144000" cy="584775"/>
+            <a:ext cx="9144000" cy="461665"/>
           </a:xfrm>
           <a:prstGeom prst="rect">
             <a:avLst/>
@@ -4222,7 +4156,7 @@
           <a:p>
             <a:pPr algn="ctr"/>
             <a:r>
-              <a:rPr lang="en-US" sz="3200" b="1" dirty="0">
+              <a:rPr lang="en-US" sz="2400" b="1" dirty="0">
                 <a:solidFill>
                   <a:srgbClr val="000066"/>
                 </a:solidFill>
@@ -4232,26 +4166,26 @@
               <a:t>( </a:t>
             </a:r>
             <a:r>
-              <a:rPr lang="zh-CN" altLang="en-US" sz="3200" b="1" dirty="0">
+              <a:rPr lang="zh-CN" altLang="en-US" sz="2400" b="1" dirty="0">
                 <a:solidFill>
                   <a:srgbClr val="000066"/>
                 </a:solidFill>
                 <a:latin typeface="Microsoft JhengHei" panose="020B0604030504040204" pitchFamily="34" charset="-120"/>
                 <a:ea typeface="Microsoft JhengHei" panose="020B0604030504040204" pitchFamily="34" charset="-120"/>
               </a:rPr>
-              <a:t>副</a:t>
-            </a:r>
-            <a:r>
-              <a:rPr lang="en-US" sz="3200" b="1" dirty="0">
+              <a:t>副歌 </a:t>
+            </a:r>
+            <a:r>
+              <a:rPr lang="en-US" sz="2400" b="1" dirty="0">
                 <a:solidFill>
                   <a:srgbClr val="000066"/>
                 </a:solidFill>
                 <a:latin typeface="Microsoft JhengHei" panose="020B0604030504040204" pitchFamily="34" charset="-120"/>
                 <a:ea typeface="Microsoft JhengHei" panose="020B0604030504040204" pitchFamily="34" charset="-120"/>
               </a:rPr>
-              <a:t> )</a:t>
-            </a:r>
-            <a:endParaRPr lang="vi-VN" sz="3200" b="1" dirty="0">
+              <a:t>)</a:t>
+            </a:r>
+            <a:endParaRPr lang="vi-VN" sz="2400" b="1" dirty="0">
               <a:solidFill>
                 <a:srgbClr val="000066"/>
               </a:solidFill>
@@ -4323,27 +4257,7 @@
                 <a:latin typeface="微軟正黑體" pitchFamily="34" charset="-120"/>
                 <a:ea typeface="微軟正黑體" pitchFamily="34" charset="-120"/>
               </a:rPr>
-              <a:t>困難都將過去 </a:t>
-            </a:r>
-            <a:r>
-              <a:rPr lang="zh-TW" altLang="en-US" sz="4800" b="1" dirty="0">
-                <a:solidFill>
-                  <a:srgbClr val="000066"/>
-                </a:solidFill>
-                <a:latin typeface="微軟正黑體" pitchFamily="34" charset="-120"/>
-                <a:ea typeface="微軟正黑體" pitchFamily="34" charset="-120"/>
-              </a:rPr>
-              <a:t>  我</a:t>
-            </a:r>
-            <a:r>
-              <a:rPr lang="zh-TW" altLang="en-US" sz="4800" b="1" dirty="0">
-                <a:solidFill>
-                  <a:srgbClr val="000066"/>
-                </a:solidFill>
-                <a:latin typeface="微軟正黑體" pitchFamily="34" charset="-120"/>
-                <a:ea typeface="微軟正黑體" pitchFamily="34" charset="-120"/>
-              </a:rPr>
-              <a:t>靠主站立</a:t>
+              <a:t>困難都將過去   我靠主站立</a:t>
             </a:r>
             <a:endParaRPr lang="en-US" altLang="zh-TW" sz="4800" b="1" dirty="0">
               <a:solidFill>
@@ -4379,7 +4293,7 @@
         <p:spPr>
           <a:xfrm>
             <a:off x="0" y="3867895"/>
-            <a:ext cx="9144000" cy="584775"/>
+            <a:ext cx="9144000" cy="461665"/>
           </a:xfrm>
           <a:prstGeom prst="rect">
             <a:avLst/>
@@ -4394,7 +4308,7 @@
           <a:p>
             <a:pPr algn="ctr"/>
             <a:r>
-              <a:rPr lang="en-US" sz="3200" b="1" dirty="0">
+              <a:rPr lang="en-US" sz="2400" b="1" dirty="0">
                 <a:solidFill>
                   <a:srgbClr val="000066"/>
                 </a:solidFill>
@@ -4404,26 +4318,26 @@
               <a:t>( </a:t>
             </a:r>
             <a:r>
-              <a:rPr lang="zh-CN" altLang="en-US" sz="3200" b="1" dirty="0">
+              <a:rPr lang="zh-CN" altLang="en-US" sz="2400" b="1" dirty="0">
                 <a:solidFill>
                   <a:srgbClr val="000066"/>
                 </a:solidFill>
                 <a:latin typeface="Microsoft JhengHei" panose="020B0604030504040204" pitchFamily="34" charset="-120"/>
                 <a:ea typeface="Microsoft JhengHei" panose="020B0604030504040204" pitchFamily="34" charset="-120"/>
               </a:rPr>
-              <a:t>副</a:t>
-            </a:r>
-            <a:r>
-              <a:rPr lang="en-US" sz="3200" b="1" dirty="0">
+              <a:t>副歌 </a:t>
+            </a:r>
+            <a:r>
+              <a:rPr lang="en-US" sz="2400" b="1" dirty="0">
                 <a:solidFill>
                   <a:srgbClr val="000066"/>
                 </a:solidFill>
                 <a:latin typeface="Microsoft JhengHei" panose="020B0604030504040204" pitchFamily="34" charset="-120"/>
                 <a:ea typeface="Microsoft JhengHei" panose="020B0604030504040204" pitchFamily="34" charset="-120"/>
               </a:rPr>
-              <a:t> )</a:t>
-            </a:r>
-            <a:endParaRPr lang="vi-VN" sz="3200" b="1" dirty="0">
+              <a:t>)</a:t>
+            </a:r>
+            <a:endParaRPr lang="vi-VN" sz="2400" b="1" dirty="0">
               <a:solidFill>
                 <a:srgbClr val="000066"/>
               </a:solidFill>
